--- a/ATW_APT_Presentation/EDA-Presentation.pptx
+++ b/ATW_APT_Presentation/EDA-Presentation.pptx
@@ -5,7 +5,7 @@
     <p:sldMasterId id="2147483648" r:id="rId1"/>
   </p:sldMasterIdLst>
   <p:notesMasterIdLst>
-    <p:notesMasterId r:id="rId13"/>
+    <p:notesMasterId r:id="rId14"/>
   </p:notesMasterIdLst>
   <p:sldIdLst>
     <p:sldId id="256" r:id="rId2"/>
@@ -16,9 +16,10 @@
     <p:sldId id="259" r:id="rId7"/>
     <p:sldId id="267" r:id="rId8"/>
     <p:sldId id="266" r:id="rId9"/>
-    <p:sldId id="261" r:id="rId10"/>
-    <p:sldId id="265" r:id="rId11"/>
-    <p:sldId id="262" r:id="rId12"/>
+    <p:sldId id="268" r:id="rId10"/>
+    <p:sldId id="261" r:id="rId11"/>
+    <p:sldId id="265" r:id="rId12"/>
+    <p:sldId id="262" r:id="rId13"/>
   </p:sldIdLst>
   <p:sldSz cx="12192000" cy="6858000"/>
   <p:notesSz cx="6858000" cy="9144000"/>
@@ -207,7 +208,7 @@
           <a:p>
             <a:fld id="{CD096B8B-A75B-EA46-8D15-693846411D71}" type="datetimeFigureOut">
               <a:rPr lang="en-US" smtClean="0"/>
-              <a:t>11/3/21</a:t>
+              <a:t>11/4/21</a:t>
             </a:fld>
             <a:endParaRPr lang="en-US"/>
           </a:p>
@@ -558,6 +559,90 @@
 </p:notes>
 </file>
 
+<file path=ppt/notesSlides/notesSlide10.xml><?xml version="1.0" encoding="utf-8"?>
+<p:notes xmlns:a="http://schemas.openxmlformats.org/drawingml/2006/main" xmlns:r="http://schemas.openxmlformats.org/officeDocument/2006/relationships" xmlns:p="http://schemas.openxmlformats.org/presentationml/2006/main">
+  <p:cSld>
+    <p:spTree>
+      <p:nvGrpSpPr>
+        <p:cNvPr id="1" name=""/>
+        <p:cNvGrpSpPr/>
+        <p:nvPr/>
+      </p:nvGrpSpPr>
+      <p:grpSpPr>
+        <a:xfrm>
+          <a:off x="0" y="0"/>
+          <a:ext cx="0" cy="0"/>
+          <a:chOff x="0" y="0"/>
+          <a:chExt cx="0" cy="0"/>
+        </a:xfrm>
+      </p:grpSpPr>
+      <p:sp>
+        <p:nvSpPr>
+          <p:cNvPr id="2" name="Slide Image Placeholder 1"/>
+          <p:cNvSpPr>
+            <a:spLocks noGrp="1" noRot="1" noChangeAspect="1"/>
+          </p:cNvSpPr>
+          <p:nvPr>
+            <p:ph type="sldImg"/>
+          </p:nvPr>
+        </p:nvSpPr>
+        <p:spPr/>
+      </p:sp>
+      <p:sp>
+        <p:nvSpPr>
+          <p:cNvPr id="3" name="Notes Placeholder 2"/>
+          <p:cNvSpPr>
+            <a:spLocks noGrp="1"/>
+          </p:cNvSpPr>
+          <p:nvPr>
+            <p:ph type="body" idx="1"/>
+          </p:nvPr>
+        </p:nvSpPr>
+        <p:spPr/>
+        <p:txBody>
+          <a:bodyPr/>
+          <a:lstStyle/>
+          <a:p>
+            <a:endParaRPr lang="en-US" dirty="0"/>
+          </a:p>
+        </p:txBody>
+      </p:sp>
+      <p:sp>
+        <p:nvSpPr>
+          <p:cNvPr id="4" name="Slide Number Placeholder 3"/>
+          <p:cNvSpPr>
+            <a:spLocks noGrp="1"/>
+          </p:cNvSpPr>
+          <p:nvPr>
+            <p:ph type="sldNum" sz="quarter" idx="5"/>
+          </p:nvPr>
+        </p:nvSpPr>
+        <p:spPr/>
+        <p:txBody>
+          <a:bodyPr/>
+          <a:lstStyle/>
+          <a:p>
+            <a:fld id="{F0941BCE-09AA-FC4D-BB53-4ABA386CD2BE}" type="slidenum">
+              <a:rPr lang="en-US" smtClean="0"/>
+              <a:t>11</a:t>
+            </a:fld>
+            <a:endParaRPr lang="en-US"/>
+          </a:p>
+        </p:txBody>
+      </p:sp>
+    </p:spTree>
+    <p:extLst>
+      <p:ext uri="{BB962C8B-B14F-4D97-AF65-F5344CB8AC3E}">
+        <p14:creationId xmlns:p14="http://schemas.microsoft.com/office/powerpoint/2010/main" val="1436729392"/>
+      </p:ext>
+    </p:extLst>
+  </p:cSld>
+  <p:clrMapOvr>
+    <a:masterClrMapping/>
+  </p:clrMapOvr>
+</p:notes>
+</file>
+
 <file path=ppt/notesSlides/notesSlide2.xml><?xml version="1.0" encoding="utf-8"?>
 <p:notes xmlns:a="http://schemas.openxmlformats.org/drawingml/2006/main" xmlns:r="http://schemas.openxmlformats.org/officeDocument/2006/relationships" xmlns:p="http://schemas.openxmlformats.org/presentationml/2006/main">
   <p:cSld>
@@ -602,12 +687,13 @@
           <a:bodyPr/>
           <a:lstStyle/>
           <a:p>
-            <a:pPr marL="0" indent="0">
-              <a:buNone/>
+            <a:pPr marL="171450" indent="-171450">
+              <a:buFont typeface="Arial" panose="020B0604020202020204" pitchFamily="34" charset="0"/>
+              <a:buChar char="•"/>
             </a:pPr>
             <a:r>
               <a:rPr lang="en-US" dirty="0" err="1"/>
-              <a:t>Dit</a:t>
+              <a:t>Eerst</a:t>
             </a:r>
             <a:r>
               <a:rPr lang="en-US" dirty="0"/>
@@ -615,7 +701,7 @@
             </a:r>
             <a:r>
               <a:rPr lang="en-US" dirty="0" err="1"/>
-              <a:t>wordt</a:t>
+              <a:t>behoefte</a:t>
             </a:r>
             <a:r>
               <a:rPr lang="en-US" dirty="0"/>
@@ -623,314 +709,43 @@
             </a:r>
             <a:r>
               <a:rPr lang="en-US" dirty="0" err="1"/>
-              <a:t>inhoud</a:t>
-            </a:r>
-            <a:r>
-              <a:rPr lang="en-US" dirty="0"/>
-              <a:t> van </a:t>
+              <a:t>boven</a:t>
+            </a:r>
+            <a:r>
+              <a:rPr lang="en-US" dirty="0"/>
+              <a:t> water </a:t>
             </a:r>
             <a:r>
               <a:rPr lang="en-US" dirty="0" err="1"/>
-              <a:t>volgende</a:t>
-            </a:r>
-            <a:r>
-              <a:rPr lang="en-US" dirty="0"/>
-              <a:t> slides:</a:t>
-            </a:r>
-          </a:p>
-          <a:p>
-            <a:r>
-              <a:rPr lang="en-US" dirty="0"/>
-              <a:t>Plaatje </a:t>
+              <a:t>krijgen</a:t>
+            </a:r>
+            <a:endParaRPr lang="en-US" dirty="0"/>
+          </a:p>
+          <a:p>
+            <a:pPr marL="171450" indent="-171450">
+              <a:buFont typeface="Arial" panose="020B0604020202020204" pitchFamily="34" charset="0"/>
+              <a:buChar char="•"/>
+            </a:pPr>
+            <a:r>
+              <a:rPr lang="en-US" dirty="0"/>
+              <a:t>EDA </a:t>
             </a:r>
             <a:r>
               <a:rPr lang="en-US" dirty="0" err="1"/>
-              <a:t>uit</a:t>
-            </a:r>
-            <a:r>
-              <a:rPr lang="en-US" dirty="0"/>
-              <a:t> </a:t>
+              <a:t>stopt</a:t>
+            </a:r>
+            <a:r>
+              <a:rPr lang="en-US" dirty="0"/>
+              <a:t> in de ‘Concept Exploration’ </a:t>
             </a:r>
             <a:r>
               <a:rPr lang="en-US" dirty="0" err="1"/>
-              <a:t>boek</a:t>
-            </a:r>
-            <a:endParaRPr lang="en-US" dirty="0"/>
-          </a:p>
-          <a:p>
-            <a:endParaRPr lang="en-US" dirty="0"/>
-          </a:p>
-          <a:p>
-            <a:r>
-              <a:rPr lang="en-US" dirty="0" err="1"/>
-              <a:t>Wij</a:t>
-            </a:r>
-            <a:r>
-              <a:rPr lang="en-US" dirty="0"/>
-              <a:t> </a:t>
-            </a:r>
-            <a:r>
-              <a:rPr lang="en-US" dirty="0" err="1"/>
-              <a:t>gaan</a:t>
-            </a:r>
-            <a:r>
-              <a:rPr lang="en-US" dirty="0"/>
-              <a:t> needs analysis </a:t>
-            </a:r>
-            <a:r>
-              <a:rPr lang="en-US" dirty="0" err="1"/>
-              <a:t>en</a:t>
-            </a:r>
-            <a:r>
-              <a:rPr lang="en-US" dirty="0"/>
-              <a:t> concept </a:t>
-            </a:r>
-            <a:r>
-              <a:rPr lang="en-US" dirty="0" err="1"/>
-              <a:t>exploratie</a:t>
-            </a:r>
-            <a:r>
-              <a:rPr lang="en-US" dirty="0"/>
-              <a:t> </a:t>
-            </a:r>
-            <a:r>
-              <a:rPr lang="en-US" dirty="0" err="1"/>
-              <a:t>fases</a:t>
-            </a:r>
-            <a:r>
-              <a:rPr lang="en-US" dirty="0"/>
-              <a:t> </a:t>
-            </a:r>
-            <a:r>
-              <a:rPr lang="en-US" dirty="0" err="1"/>
-              <a:t>doorlopen</a:t>
-            </a:r>
-            <a:endParaRPr lang="en-US" dirty="0"/>
-          </a:p>
-          <a:p>
-            <a:endParaRPr lang="en-US" dirty="0"/>
-          </a:p>
-          <a:p>
-            <a:r>
-              <a:rPr lang="en-US" dirty="0"/>
-              <a:t>Need is </a:t>
-            </a:r>
-            <a:r>
-              <a:rPr lang="en-US" dirty="0" err="1"/>
-              <a:t>duidelijk</a:t>
-            </a:r>
-            <a:r>
-              <a:rPr lang="en-US" dirty="0"/>
-              <a:t>, IDS </a:t>
-            </a:r>
-            <a:r>
-              <a:rPr lang="en-US" dirty="0" err="1"/>
-              <a:t>moet</a:t>
-            </a:r>
-            <a:r>
-              <a:rPr lang="en-US" dirty="0"/>
-              <a:t> </a:t>
-            </a:r>
-            <a:r>
-              <a:rPr lang="en-US" dirty="0" err="1"/>
-              <a:t>er</a:t>
-            </a:r>
-            <a:r>
-              <a:rPr lang="en-US" dirty="0"/>
-              <a:t> </a:t>
-            </a:r>
-            <a:r>
-              <a:rPr lang="en-US" dirty="0" err="1"/>
-              <a:t>komen</a:t>
-            </a:r>
-            <a:r>
-              <a:rPr lang="en-US" dirty="0"/>
-              <a:t> </a:t>
-            </a:r>
-            <a:r>
-              <a:rPr lang="en-US" dirty="0" err="1"/>
-              <a:t>voor</a:t>
-            </a:r>
-            <a:r>
-              <a:rPr lang="en-US" dirty="0"/>
-              <a:t> APT. </a:t>
-            </a:r>
-          </a:p>
-          <a:p>
-            <a:pPr lvl="1"/>
-            <a:r>
-              <a:rPr lang="en-US" dirty="0"/>
-              <a:t>Op </a:t>
-            </a:r>
-            <a:r>
-              <a:rPr lang="en-US" dirty="0" err="1"/>
-              <a:t>eerste</a:t>
-            </a:r>
-            <a:r>
-              <a:rPr lang="en-US" dirty="0"/>
-              <a:t> </a:t>
-            </a:r>
-            <a:r>
-              <a:rPr lang="en-US" dirty="0" err="1"/>
-              <a:t>oog</a:t>
-            </a:r>
-            <a:r>
-              <a:rPr lang="en-US" dirty="0"/>
-              <a:t> is ”move </a:t>
-            </a:r>
-            <a:r>
-              <a:rPr lang="en-US" dirty="0" err="1"/>
-              <a:t>lateraly</a:t>
-            </a:r>
-            <a:r>
-              <a:rPr lang="en-US" dirty="0"/>
-              <a:t>” </a:t>
-            </a:r>
-            <a:r>
-              <a:rPr lang="en-US" dirty="0" err="1"/>
-              <a:t>minst</a:t>
-            </a:r>
-            <a:r>
-              <a:rPr lang="en-US" dirty="0"/>
-              <a:t> </a:t>
-            </a:r>
-            <a:r>
-              <a:rPr lang="en-US" dirty="0" err="1"/>
-              <a:t>goed</a:t>
-            </a:r>
-            <a:r>
-              <a:rPr lang="en-US" dirty="0"/>
-              <a:t> </a:t>
-            </a:r>
-            <a:r>
-              <a:rPr lang="en-US" dirty="0" err="1"/>
-              <a:t>vertegenwoordigd</a:t>
-            </a:r>
-            <a:r>
-              <a:rPr lang="en-US" dirty="0"/>
-              <a:t>, </a:t>
-            </a:r>
-            <a:r>
-              <a:rPr lang="en-US" dirty="0" err="1"/>
-              <a:t>terwijl</a:t>
-            </a:r>
-            <a:r>
-              <a:rPr lang="en-US" dirty="0"/>
-              <a:t> hackers </a:t>
-            </a:r>
-            <a:r>
-              <a:rPr lang="en-US" dirty="0" err="1"/>
-              <a:t>hier</a:t>
-            </a:r>
-            <a:r>
-              <a:rPr lang="en-US" dirty="0"/>
-              <a:t> </a:t>
-            </a:r>
-            <a:r>
-              <a:rPr lang="en-US" dirty="0" err="1"/>
-              <a:t>lang</a:t>
-            </a:r>
-            <a:r>
-              <a:rPr lang="en-US" dirty="0"/>
-              <a:t> in </a:t>
-            </a:r>
-            <a:r>
-              <a:rPr lang="en-US" dirty="0" err="1"/>
-              <a:t>blijven</a:t>
-            </a:r>
-            <a:r>
-              <a:rPr lang="en-US" dirty="0"/>
-              <a:t> </a:t>
-            </a:r>
-            <a:r>
-              <a:rPr lang="en-US" dirty="0" err="1"/>
-              <a:t>hangen</a:t>
-            </a:r>
-            <a:endParaRPr lang="en-US" dirty="0"/>
-          </a:p>
-          <a:p>
-            <a:r>
-              <a:rPr lang="en-US" dirty="0"/>
-              <a:t>EDA </a:t>
-            </a:r>
-            <a:r>
-              <a:rPr lang="en-US" dirty="0" err="1"/>
-              <a:t>uitvoeren</a:t>
-            </a:r>
-            <a:r>
-              <a:rPr lang="en-US" dirty="0"/>
-              <a:t> </a:t>
-            </a:r>
-            <a:r>
-              <a:rPr lang="en-US" dirty="0" err="1"/>
-              <a:t>valt</a:t>
-            </a:r>
-            <a:r>
-              <a:rPr lang="en-US" dirty="0"/>
-              <a:t> </a:t>
-            </a:r>
-            <a:r>
-              <a:rPr lang="en-US" dirty="0" err="1"/>
-              <a:t>onder</a:t>
-            </a:r>
-            <a:r>
-              <a:rPr lang="en-US" dirty="0"/>
-              <a:t> concept </a:t>
-            </a:r>
-            <a:r>
-              <a:rPr lang="en-US" dirty="0" err="1"/>
-              <a:t>exploratie</a:t>
-            </a:r>
-            <a:r>
-              <a:rPr lang="en-US" dirty="0"/>
-              <a:t>:</a:t>
-            </a:r>
-          </a:p>
-          <a:p>
-            <a:pPr lvl="1"/>
-            <a:r>
-              <a:rPr lang="en-US" dirty="0" err="1"/>
-              <a:t>Welke</a:t>
-            </a:r>
-            <a:r>
-              <a:rPr lang="en-US" dirty="0"/>
-              <a:t> feature(s) </a:t>
-            </a:r>
-            <a:r>
-              <a:rPr lang="en-US" dirty="0" err="1"/>
-              <a:t>kunnen</a:t>
-            </a:r>
-            <a:r>
-              <a:rPr lang="en-US" dirty="0"/>
-              <a:t> </a:t>
-            </a:r>
-            <a:r>
-              <a:rPr lang="en-US" dirty="0" err="1"/>
-              <a:t>wij</a:t>
-            </a:r>
-            <a:r>
-              <a:rPr lang="en-US" dirty="0"/>
-              <a:t> </a:t>
-            </a:r>
-            <a:r>
-              <a:rPr lang="en-US" dirty="0" err="1"/>
-              <a:t>bedenken</a:t>
-            </a:r>
-            <a:r>
-              <a:rPr lang="en-US" dirty="0"/>
-              <a:t> / </a:t>
-            </a:r>
-            <a:r>
-              <a:rPr lang="en-US" dirty="0" err="1"/>
-              <a:t>vinden</a:t>
-            </a:r>
-            <a:r>
-              <a:rPr lang="en-US" dirty="0"/>
-              <a:t>?</a:t>
-            </a:r>
-          </a:p>
-          <a:p>
-            <a:endParaRPr lang="en-US" dirty="0"/>
+              <a:t>fase</a:t>
+            </a:r>
+            <a:r>
+              <a:rPr lang="en-US" dirty="0"/>
+              <a:t>.</a:t>
+            </a:r>
           </a:p>
         </p:txBody>
       </p:sp>
@@ -1014,7 +829,429 @@
           <a:bodyPr/>
           <a:lstStyle/>
           <a:p>
+            <a:r>
+              <a:rPr lang="en-US" dirty="0"/>
+              <a:t>Ter </a:t>
+            </a:r>
+            <a:r>
+              <a:rPr lang="en-US" dirty="0" err="1"/>
+              <a:t>herinnering</a:t>
+            </a:r>
+            <a:r>
+              <a:rPr lang="en-US" dirty="0"/>
+              <a:t> </a:t>
+            </a:r>
+            <a:r>
+              <a:rPr lang="en-US" dirty="0" err="1"/>
+              <a:t>aan</a:t>
+            </a:r>
+            <a:r>
+              <a:rPr lang="en-US" dirty="0"/>
+              <a:t> het </a:t>
+            </a:r>
+            <a:r>
+              <a:rPr lang="en-US" dirty="0" err="1"/>
+              <a:t>verhaal</a:t>
+            </a:r>
+            <a:r>
+              <a:rPr lang="en-US" dirty="0"/>
+              <a:t> van </a:t>
+            </a:r>
+            <a:r>
+              <a:rPr lang="en-US" dirty="0" err="1"/>
+              <a:t>meneer</a:t>
+            </a:r>
+            <a:r>
+              <a:rPr lang="en-US" dirty="0"/>
+              <a:t> Dijk </a:t>
+            </a:r>
+            <a:r>
+              <a:rPr lang="en-US" dirty="0" err="1"/>
+              <a:t>en</a:t>
+            </a:r>
+            <a:r>
+              <a:rPr lang="en-US" dirty="0"/>
+              <a:t> de film van </a:t>
+            </a:r>
+            <a:r>
+              <a:rPr lang="en-US" dirty="0" err="1"/>
+              <a:t>Lockhead</a:t>
+            </a:r>
+            <a:r>
+              <a:rPr lang="en-US" dirty="0"/>
+              <a:t> Martin</a:t>
+            </a:r>
+          </a:p>
+          <a:p>
             <a:endParaRPr lang="en-US" dirty="0"/>
+          </a:p>
+          <a:p>
+            <a:pPr marL="171450" indent="-171450">
+              <a:buFont typeface="Arial" panose="020B0604020202020204" pitchFamily="34" charset="0"/>
+              <a:buChar char="•"/>
+            </a:pPr>
+            <a:r>
+              <a:rPr lang="en-US" dirty="0" err="1"/>
+              <a:t>Eerst</a:t>
+            </a:r>
+            <a:r>
+              <a:rPr lang="en-US" dirty="0"/>
+              <a:t> </a:t>
+            </a:r>
+            <a:r>
+              <a:rPr lang="en-US" dirty="0" err="1"/>
+              <a:t>vooronderzoek</a:t>
+            </a:r>
+            <a:endParaRPr lang="en-US" dirty="0"/>
+          </a:p>
+          <a:p>
+            <a:pPr marL="171450" indent="-171450">
+              <a:buFont typeface="Arial" panose="020B0604020202020204" pitchFamily="34" charset="0"/>
+              <a:buChar char="•"/>
+            </a:pPr>
+            <a:r>
+              <a:rPr lang="en-US" dirty="0"/>
+              <a:t>Dan </a:t>
+            </a:r>
+            <a:r>
+              <a:rPr lang="en-US" dirty="0" err="1"/>
+              <a:t>een</a:t>
+            </a:r>
+            <a:r>
+              <a:rPr lang="en-US" dirty="0"/>
+              <a:t> </a:t>
+            </a:r>
+            <a:r>
+              <a:rPr lang="en-US" dirty="0" err="1"/>
+              <a:t>eerste</a:t>
+            </a:r>
+            <a:r>
+              <a:rPr lang="en-US" dirty="0"/>
+              <a:t> </a:t>
+            </a:r>
+            <a:r>
+              <a:rPr lang="en-US" dirty="0" err="1"/>
+              <a:t>breuk</a:t>
+            </a:r>
+            <a:r>
+              <a:rPr lang="en-US" dirty="0"/>
+              <a:t> </a:t>
+            </a:r>
+            <a:r>
+              <a:rPr lang="en-US" dirty="0" err="1"/>
+              <a:t>veroorzaken</a:t>
+            </a:r>
+            <a:r>
+              <a:rPr lang="en-US" dirty="0"/>
+              <a:t> </a:t>
+            </a:r>
+            <a:r>
+              <a:rPr lang="en-US" dirty="0" err="1"/>
+              <a:t>en</a:t>
+            </a:r>
+            <a:r>
+              <a:rPr lang="en-US" dirty="0"/>
+              <a:t> </a:t>
+            </a:r>
+            <a:r>
+              <a:rPr lang="en-US" dirty="0" err="1"/>
+              <a:t>binnenbreken</a:t>
+            </a:r>
+            <a:r>
+              <a:rPr lang="en-US" dirty="0"/>
+              <a:t> op stepping stone</a:t>
+            </a:r>
+          </a:p>
+          <a:p>
+            <a:pPr marL="171450" indent="-171450">
+              <a:buFont typeface="Arial" panose="020B0604020202020204" pitchFamily="34" charset="0"/>
+              <a:buChar char="•"/>
+            </a:pPr>
+            <a:r>
+              <a:rPr lang="en-US" dirty="0"/>
+              <a:t>Van de </a:t>
+            </a:r>
+            <a:r>
+              <a:rPr lang="en-US" dirty="0" err="1"/>
+              <a:t>eerste</a:t>
+            </a:r>
+            <a:r>
+              <a:rPr lang="en-US" dirty="0"/>
+              <a:t> stepping stone door </a:t>
+            </a:r>
+            <a:r>
+              <a:rPr lang="en-US" dirty="0" err="1"/>
+              <a:t>naar</a:t>
+            </a:r>
+            <a:r>
+              <a:rPr lang="en-US" dirty="0"/>
+              <a:t> de </a:t>
+            </a:r>
+            <a:r>
+              <a:rPr lang="en-US" dirty="0" err="1"/>
+              <a:t>volgende</a:t>
+            </a:r>
+            <a:r>
+              <a:rPr lang="en-US" dirty="0"/>
+              <a:t>, op </a:t>
+            </a:r>
+            <a:r>
+              <a:rPr lang="en-US" dirty="0" err="1"/>
+              <a:t>zoek</a:t>
+            </a:r>
+            <a:r>
+              <a:rPr lang="en-US" dirty="0"/>
+              <a:t> </a:t>
+            </a:r>
+            <a:r>
+              <a:rPr lang="en-US" dirty="0" err="1"/>
+              <a:t>naar</a:t>
+            </a:r>
+            <a:r>
+              <a:rPr lang="en-US" dirty="0"/>
+              <a:t> de pot met </a:t>
+            </a:r>
+            <a:r>
+              <a:rPr lang="en-US" dirty="0" err="1"/>
+              <a:t>goud</a:t>
+            </a:r>
+            <a:endParaRPr lang="en-US" dirty="0"/>
+          </a:p>
+          <a:p>
+            <a:pPr marL="171450" indent="-171450">
+              <a:buFont typeface="Arial" panose="020B0604020202020204" pitchFamily="34" charset="0"/>
+              <a:buChar char="•"/>
+            </a:pPr>
+            <a:r>
+              <a:rPr lang="en-US" dirty="0" err="1"/>
+              <a:t>Als</a:t>
+            </a:r>
+            <a:r>
+              <a:rPr lang="en-US" dirty="0"/>
+              <a:t> </a:t>
+            </a:r>
+            <a:r>
+              <a:rPr lang="en-US" dirty="0" err="1"/>
+              <a:t>goud</a:t>
+            </a:r>
+            <a:r>
+              <a:rPr lang="en-US" dirty="0"/>
+              <a:t> </a:t>
+            </a:r>
+            <a:r>
+              <a:rPr lang="en-US" dirty="0" err="1"/>
+              <a:t>gevonden</a:t>
+            </a:r>
+            <a:r>
+              <a:rPr lang="en-US" dirty="0"/>
+              <a:t> is, </a:t>
+            </a:r>
+            <a:r>
+              <a:rPr lang="en-US" dirty="0" err="1"/>
+              <a:t>proberen</a:t>
+            </a:r>
+            <a:r>
+              <a:rPr lang="en-US" dirty="0"/>
+              <a:t> </a:t>
+            </a:r>
+            <a:r>
+              <a:rPr lang="en-US" dirty="0" err="1"/>
+              <a:t>dit</a:t>
+            </a:r>
+            <a:r>
+              <a:rPr lang="en-US" dirty="0"/>
+              <a:t> </a:t>
+            </a:r>
+            <a:r>
+              <a:rPr lang="en-US" dirty="0" err="1"/>
+              <a:t>naar</a:t>
+            </a:r>
+            <a:r>
+              <a:rPr lang="en-US" dirty="0"/>
+              <a:t> </a:t>
+            </a:r>
+            <a:r>
+              <a:rPr lang="en-US" dirty="0" err="1"/>
+              <a:t>buiten</a:t>
+            </a:r>
+            <a:r>
+              <a:rPr lang="en-US" dirty="0"/>
+              <a:t> </a:t>
+            </a:r>
+            <a:r>
+              <a:rPr lang="en-US" dirty="0" err="1"/>
+              <a:t>te</a:t>
+            </a:r>
+            <a:r>
+              <a:rPr lang="en-US" dirty="0"/>
+              <a:t> </a:t>
+            </a:r>
+            <a:r>
+              <a:rPr lang="en-US" dirty="0" err="1"/>
+              <a:t>krijgen</a:t>
+            </a:r>
+            <a:r>
+              <a:rPr lang="en-US" dirty="0"/>
+              <a:t>.</a:t>
+            </a:r>
+          </a:p>
+          <a:p>
+            <a:pPr marL="171450" indent="-171450">
+              <a:buFont typeface="Arial" panose="020B0604020202020204" pitchFamily="34" charset="0"/>
+              <a:buChar char="•"/>
+            </a:pPr>
+            <a:r>
+              <a:rPr lang="en-US" dirty="0" err="1"/>
+              <a:t>Sporen</a:t>
+            </a:r>
+            <a:r>
+              <a:rPr lang="en-US" dirty="0"/>
+              <a:t> </a:t>
+            </a:r>
+            <a:r>
+              <a:rPr lang="en-US" dirty="0" err="1"/>
+              <a:t>wissen</a:t>
+            </a:r>
+            <a:endParaRPr lang="en-US" dirty="0"/>
+          </a:p>
+          <a:p>
+            <a:pPr marL="171450" indent="-171450">
+              <a:buFont typeface="Arial" panose="020B0604020202020204" pitchFamily="34" charset="0"/>
+              <a:buChar char="•"/>
+            </a:pPr>
+            <a:endParaRPr lang="en-US" dirty="0"/>
+          </a:p>
+          <a:p>
+            <a:pPr marL="0" indent="0">
+              <a:buFont typeface="Arial" panose="020B0604020202020204" pitchFamily="34" charset="0"/>
+              <a:buNone/>
+            </a:pPr>
+            <a:r>
+              <a:rPr lang="en-US" dirty="0" err="1"/>
+              <a:t>Terug</a:t>
+            </a:r>
+            <a:r>
+              <a:rPr lang="en-US" dirty="0"/>
+              <a:t> </a:t>
+            </a:r>
+            <a:r>
+              <a:rPr lang="en-US" dirty="0" err="1"/>
+              <a:t>naar</a:t>
+            </a:r>
+            <a:r>
+              <a:rPr lang="en-US" dirty="0"/>
+              <a:t> de </a:t>
+            </a:r>
+            <a:r>
+              <a:rPr lang="en-US" dirty="0" err="1"/>
+              <a:t>opdracht</a:t>
+            </a:r>
+            <a:r>
+              <a:rPr lang="en-US" dirty="0"/>
+              <a:t>:</a:t>
+            </a:r>
+          </a:p>
+          <a:p>
+            <a:pPr marL="0" indent="0">
+              <a:buFont typeface="Arial" panose="020B0604020202020204" pitchFamily="34" charset="0"/>
+              <a:buNone/>
+            </a:pPr>
+            <a:r>
+              <a:rPr lang="en-US" dirty="0"/>
+              <a:t>Op </a:t>
+            </a:r>
+            <a:r>
+              <a:rPr lang="en-US" dirty="0" err="1"/>
+              <a:t>zoek</a:t>
+            </a:r>
+            <a:r>
+              <a:rPr lang="en-US" dirty="0"/>
+              <a:t> </a:t>
+            </a:r>
+            <a:r>
+              <a:rPr lang="en-US" dirty="0" err="1"/>
+              <a:t>naar</a:t>
+            </a:r>
+            <a:r>
+              <a:rPr lang="en-US" dirty="0"/>
+              <a:t> </a:t>
+            </a:r>
+            <a:r>
+              <a:rPr lang="en-US" dirty="0" err="1"/>
+              <a:t>een</a:t>
+            </a:r>
+            <a:r>
+              <a:rPr lang="en-US" dirty="0"/>
+              <a:t> </a:t>
+            </a:r>
+            <a:r>
+              <a:rPr lang="en-US" dirty="0" err="1"/>
+              <a:t>verbeterde</a:t>
+            </a:r>
+            <a:r>
+              <a:rPr lang="en-US" dirty="0"/>
+              <a:t> IDS…</a:t>
+            </a:r>
+          </a:p>
+          <a:p>
+            <a:pPr marL="0" indent="0">
+              <a:buFont typeface="Arial" panose="020B0604020202020204" pitchFamily="34" charset="0"/>
+              <a:buNone/>
+            </a:pPr>
+            <a:r>
+              <a:rPr lang="en-US" dirty="0"/>
+              <a:t>Maar hoe </a:t>
+            </a:r>
+            <a:r>
+              <a:rPr lang="en-US" dirty="0" err="1"/>
+              <a:t>weten</a:t>
+            </a:r>
+            <a:r>
+              <a:rPr lang="en-US" dirty="0"/>
+              <a:t> we wat </a:t>
+            </a:r>
+            <a:r>
+              <a:rPr lang="en-US" dirty="0" err="1"/>
+              <a:t>beter</a:t>
+            </a:r>
+            <a:r>
+              <a:rPr lang="en-US" dirty="0"/>
+              <a:t> is??</a:t>
+            </a:r>
+          </a:p>
+          <a:p>
+            <a:pPr marL="0" indent="0">
+              <a:buFont typeface="Arial" panose="020B0604020202020204" pitchFamily="34" charset="0"/>
+              <a:buNone/>
+            </a:pPr>
+            <a:r>
+              <a:rPr lang="en-US" dirty="0"/>
+              <a:t>Hoe </a:t>
+            </a:r>
+            <a:r>
+              <a:rPr lang="en-US" dirty="0" err="1"/>
+              <a:t>moeten</a:t>
+            </a:r>
+            <a:r>
+              <a:rPr lang="en-US" dirty="0"/>
+              <a:t> we de </a:t>
+            </a:r>
+            <a:r>
+              <a:rPr lang="en-US" dirty="0" err="1"/>
+              <a:t>resultaten</a:t>
+            </a:r>
+            <a:r>
+              <a:rPr lang="en-US" dirty="0"/>
+              <a:t> </a:t>
+            </a:r>
+            <a:r>
+              <a:rPr lang="en-US" dirty="0" err="1"/>
+              <a:t>interpreteren</a:t>
+            </a:r>
+            <a:r>
+              <a:rPr lang="en-US" dirty="0"/>
+              <a:t>?</a:t>
+            </a:r>
           </a:p>
         </p:txBody>
       </p:sp>
@@ -1035,7 +1272,7 @@
           <a:p>
             <a:fld id="{F0941BCE-09AA-FC4D-BB53-4ABA386CD2BE}" type="slidenum">
               <a:rPr lang="en-US" smtClean="0"/>
-              <a:t>7</a:t>
+              <a:t>4</a:t>
             </a:fld>
             <a:endParaRPr lang="en-US"/>
           </a:p>
@@ -1044,7 +1281,7 @@
     </p:spTree>
     <p:extLst>
       <p:ext uri="{BB962C8B-B14F-4D97-AF65-F5344CB8AC3E}">
-        <p14:creationId xmlns:p14="http://schemas.microsoft.com/office/powerpoint/2010/main" val="4101998748"/>
+        <p14:creationId xmlns:p14="http://schemas.microsoft.com/office/powerpoint/2010/main" val="2312519270"/>
       </p:ext>
     </p:extLst>
   </p:cSld>
@@ -1098,7 +1335,73 @@
           <a:bodyPr/>
           <a:lstStyle/>
           <a:p>
-            <a:endParaRPr lang="en-US" dirty="0"/>
+            <a:r>
+              <a:rPr lang="en-US" dirty="0"/>
+              <a:t>In de </a:t>
+            </a:r>
+            <a:r>
+              <a:rPr lang="en-US" dirty="0" err="1"/>
+              <a:t>originele</a:t>
+            </a:r>
+            <a:r>
+              <a:rPr lang="en-US" dirty="0"/>
+              <a:t> dataset </a:t>
+            </a:r>
+            <a:r>
+              <a:rPr lang="en-US" dirty="0" err="1"/>
+              <a:t>worden</a:t>
+            </a:r>
+            <a:r>
+              <a:rPr lang="en-US" dirty="0"/>
+              <a:t> de </a:t>
+            </a:r>
+            <a:r>
+              <a:rPr lang="en-US" dirty="0" err="1"/>
+              <a:t>resultaten</a:t>
+            </a:r>
+            <a:r>
+              <a:rPr lang="en-US" dirty="0"/>
+              <a:t> met </a:t>
+            </a:r>
+            <a:r>
+              <a:rPr lang="en-US" dirty="0" err="1"/>
+              <a:t>een</a:t>
+            </a:r>
+            <a:r>
+              <a:rPr lang="en-US" dirty="0"/>
+              <a:t> Precision Recall plot </a:t>
+            </a:r>
+            <a:r>
+              <a:rPr lang="en-US" dirty="0" err="1"/>
+              <a:t>gepresenteerd</a:t>
+            </a:r>
+            <a:r>
+              <a:rPr lang="en-US" dirty="0"/>
+              <a:t>.</a:t>
+            </a:r>
+            <a:br>
+              <a:rPr lang="en-US" dirty="0"/>
+            </a:br>
+            <a:r>
+              <a:rPr lang="en-US" dirty="0"/>
+              <a:t>Maar hoe </a:t>
+            </a:r>
+            <a:r>
+              <a:rPr lang="en-US" dirty="0" err="1"/>
+              <a:t>moeten</a:t>
+            </a:r>
+            <a:r>
+              <a:rPr lang="en-US" dirty="0"/>
+              <a:t> we die plots </a:t>
+            </a:r>
+            <a:r>
+              <a:rPr lang="en-US" dirty="0" err="1"/>
+              <a:t>interpreteren</a:t>
+            </a:r>
+            <a:r>
+              <a:rPr lang="en-US"/>
+              <a:t>?</a:t>
+            </a:r>
           </a:p>
         </p:txBody>
       </p:sp>
@@ -1119,7 +1422,7 @@
           <a:p>
             <a:fld id="{F0941BCE-09AA-FC4D-BB53-4ABA386CD2BE}" type="slidenum">
               <a:rPr lang="en-US" smtClean="0"/>
-              <a:t>8</a:t>
+              <a:t>5</a:t>
             </a:fld>
             <a:endParaRPr lang="en-US"/>
           </a:p>
@@ -1128,7 +1431,7 @@
     </p:spTree>
     <p:extLst>
       <p:ext uri="{BB962C8B-B14F-4D97-AF65-F5344CB8AC3E}">
-        <p14:creationId xmlns:p14="http://schemas.microsoft.com/office/powerpoint/2010/main" val="4005306301"/>
+        <p14:creationId xmlns:p14="http://schemas.microsoft.com/office/powerpoint/2010/main" val="3788574645"/>
       </p:ext>
     </p:extLst>
   </p:cSld>
@@ -1182,188 +1485,6 @@
           <a:bodyPr/>
           <a:lstStyle/>
           <a:p>
-            <a:r>
-              <a:rPr lang="en-US" dirty="0"/>
-              <a:t>We </a:t>
-            </a:r>
-            <a:r>
-              <a:rPr lang="en-US" dirty="0" err="1"/>
-              <a:t>gaan</a:t>
-            </a:r>
-            <a:r>
-              <a:rPr lang="en-US" dirty="0"/>
-              <a:t> “Move Laterally” </a:t>
-            </a:r>
-            <a:r>
-              <a:rPr lang="en-US" dirty="0" err="1"/>
-              <a:t>onderzoeken</a:t>
-            </a:r>
-            <a:r>
-              <a:rPr lang="en-US" dirty="0"/>
-              <a:t> </a:t>
-            </a:r>
-            <a:r>
-              <a:rPr lang="en-US" dirty="0" err="1"/>
-              <a:t>omdat</a:t>
-            </a:r>
-            <a:r>
-              <a:rPr lang="en-US" dirty="0"/>
-              <a:t> </a:t>
-            </a:r>
-            <a:r>
-              <a:rPr lang="en-US" dirty="0" err="1"/>
-              <a:t>dit</a:t>
-            </a:r>
-            <a:r>
-              <a:rPr lang="en-US" dirty="0"/>
-              <a:t>:</a:t>
-            </a:r>
-          </a:p>
-          <a:p>
-            <a:pPr marL="171450" indent="-171450">
-              <a:buFont typeface="Arial" panose="020B0604020202020204" pitchFamily="34" charset="0"/>
-              <a:buChar char="•"/>
-            </a:pPr>
-            <a:r>
-              <a:rPr lang="en-US" dirty="0" err="1"/>
-              <a:t>Slecht</a:t>
-            </a:r>
-            <a:r>
-              <a:rPr lang="en-US" dirty="0"/>
-              <a:t> </a:t>
-            </a:r>
-            <a:r>
-              <a:rPr lang="en-US" dirty="0" err="1"/>
-              <a:t>naar</a:t>
-            </a:r>
-            <a:r>
-              <a:rPr lang="en-US" dirty="0"/>
-              <a:t> </a:t>
-            </a:r>
-            <a:r>
-              <a:rPr lang="en-US" dirty="0" err="1"/>
-              <a:t>voren</a:t>
-            </a:r>
-            <a:r>
-              <a:rPr lang="en-US" dirty="0"/>
-              <a:t> </a:t>
-            </a:r>
-            <a:r>
-              <a:rPr lang="en-US" dirty="0" err="1"/>
-              <a:t>komt</a:t>
-            </a:r>
-            <a:r>
-              <a:rPr lang="en-US" dirty="0"/>
-              <a:t> in </a:t>
-            </a:r>
-            <a:r>
-              <a:rPr lang="en-US" dirty="0" err="1"/>
-              <a:t>huidige</a:t>
-            </a:r>
-            <a:r>
-              <a:rPr lang="en-US" dirty="0"/>
-              <a:t> </a:t>
-            </a:r>
-            <a:r>
-              <a:rPr lang="en-US" dirty="0" err="1"/>
-              <a:t>oplossingen</a:t>
-            </a:r>
-            <a:r>
-              <a:rPr lang="en-US" dirty="0"/>
-              <a:t>;</a:t>
-            </a:r>
-          </a:p>
-          <a:p>
-            <a:pPr marL="171450" indent="-171450">
-              <a:buFont typeface="Arial" panose="020B0604020202020204" pitchFamily="34" charset="0"/>
-              <a:buChar char="•"/>
-            </a:pPr>
-            <a:r>
-              <a:rPr lang="en-US" dirty="0"/>
-              <a:t>Het APT team </a:t>
-            </a:r>
-            <a:r>
-              <a:rPr lang="en-US" dirty="0" err="1"/>
-              <a:t>lang</a:t>
-            </a:r>
-            <a:r>
-              <a:rPr lang="en-US" dirty="0"/>
-              <a:t> in </a:t>
-            </a:r>
-            <a:r>
-              <a:rPr lang="en-US" dirty="0" err="1"/>
-              <a:t>deze</a:t>
-            </a:r>
-            <a:r>
-              <a:rPr lang="en-US" dirty="0"/>
-              <a:t> stage </a:t>
-            </a:r>
-            <a:r>
-              <a:rPr lang="en-US" dirty="0" err="1"/>
-              <a:t>kan</a:t>
-            </a:r>
-            <a:r>
-              <a:rPr lang="en-US" dirty="0"/>
-              <a:t> </a:t>
-            </a:r>
-            <a:r>
-              <a:rPr lang="en-US" dirty="0" err="1"/>
-              <a:t>zitten</a:t>
-            </a:r>
-            <a:r>
-              <a:rPr lang="en-US" dirty="0"/>
-              <a:t>, </a:t>
-            </a:r>
-            <a:r>
-              <a:rPr lang="en-US" dirty="0" err="1"/>
-              <a:t>zolang</a:t>
-            </a:r>
-            <a:r>
-              <a:rPr lang="en-US" dirty="0"/>
-              <a:t> </a:t>
-            </a:r>
-            <a:r>
-              <a:rPr lang="en-US" dirty="0" err="1"/>
-              <a:t>ze</a:t>
-            </a:r>
-            <a:r>
-              <a:rPr lang="en-US" dirty="0"/>
-              <a:t> op </a:t>
-            </a:r>
-            <a:r>
-              <a:rPr lang="en-US" dirty="0" err="1"/>
-              <a:t>zoek</a:t>
-            </a:r>
-            <a:r>
-              <a:rPr lang="en-US" dirty="0"/>
-              <a:t> </a:t>
-            </a:r>
-            <a:r>
-              <a:rPr lang="en-US" dirty="0" err="1"/>
-              <a:t>zijn</a:t>
-            </a:r>
-            <a:r>
-              <a:rPr lang="en-US" dirty="0"/>
-              <a:t> </a:t>
-            </a:r>
-            <a:r>
-              <a:rPr lang="en-US" dirty="0" err="1"/>
-              <a:t>naar</a:t>
-            </a:r>
-            <a:r>
-              <a:rPr lang="en-US" dirty="0"/>
-              <a:t> de pot met </a:t>
-            </a:r>
-            <a:r>
-              <a:rPr lang="en-US" dirty="0" err="1"/>
-              <a:t>goud</a:t>
-            </a:r>
-            <a:r>
-              <a:rPr lang="en-US" dirty="0"/>
-              <a:t>.</a:t>
-            </a:r>
-          </a:p>
-          <a:p>
             <a:endParaRPr lang="en-US" dirty="0"/>
           </a:p>
         </p:txBody>
@@ -1385,7 +1506,7 @@
           <a:p>
             <a:fld id="{F0941BCE-09AA-FC4D-BB53-4ABA386CD2BE}" type="slidenum">
               <a:rPr lang="en-US" smtClean="0"/>
-              <a:t>9</a:t>
+              <a:t>6</a:t>
             </a:fld>
             <a:endParaRPr lang="en-US"/>
           </a:p>
@@ -1394,7 +1515,7 @@
     </p:spTree>
     <p:extLst>
       <p:ext uri="{BB962C8B-B14F-4D97-AF65-F5344CB8AC3E}">
-        <p14:creationId xmlns:p14="http://schemas.microsoft.com/office/powerpoint/2010/main" val="2369507233"/>
+        <p14:creationId xmlns:p14="http://schemas.microsoft.com/office/powerpoint/2010/main" val="1750152201"/>
       </p:ext>
     </p:extLst>
   </p:cSld>
@@ -1469,6 +1590,440 @@
           <a:p>
             <a:fld id="{F0941BCE-09AA-FC4D-BB53-4ABA386CD2BE}" type="slidenum">
               <a:rPr lang="en-US" smtClean="0"/>
+              <a:t>7</a:t>
+            </a:fld>
+            <a:endParaRPr lang="en-US"/>
+          </a:p>
+        </p:txBody>
+      </p:sp>
+    </p:spTree>
+    <p:extLst>
+      <p:ext uri="{BB962C8B-B14F-4D97-AF65-F5344CB8AC3E}">
+        <p14:creationId xmlns:p14="http://schemas.microsoft.com/office/powerpoint/2010/main" val="4101998748"/>
+      </p:ext>
+    </p:extLst>
+  </p:cSld>
+  <p:clrMapOvr>
+    <a:masterClrMapping/>
+  </p:clrMapOvr>
+</p:notes>
+</file>
+
+<file path=ppt/notesSlides/notesSlide7.xml><?xml version="1.0" encoding="utf-8"?>
+<p:notes xmlns:a="http://schemas.openxmlformats.org/drawingml/2006/main" xmlns:r="http://schemas.openxmlformats.org/officeDocument/2006/relationships" xmlns:p="http://schemas.openxmlformats.org/presentationml/2006/main">
+  <p:cSld>
+    <p:spTree>
+      <p:nvGrpSpPr>
+        <p:cNvPr id="1" name=""/>
+        <p:cNvGrpSpPr/>
+        <p:nvPr/>
+      </p:nvGrpSpPr>
+      <p:grpSpPr>
+        <a:xfrm>
+          <a:off x="0" y="0"/>
+          <a:ext cx="0" cy="0"/>
+          <a:chOff x="0" y="0"/>
+          <a:chExt cx="0" cy="0"/>
+        </a:xfrm>
+      </p:grpSpPr>
+      <p:sp>
+        <p:nvSpPr>
+          <p:cNvPr id="2" name="Slide Image Placeholder 1"/>
+          <p:cNvSpPr>
+            <a:spLocks noGrp="1" noRot="1" noChangeAspect="1"/>
+          </p:cNvSpPr>
+          <p:nvPr>
+            <p:ph type="sldImg"/>
+          </p:nvPr>
+        </p:nvSpPr>
+        <p:spPr/>
+      </p:sp>
+      <p:sp>
+        <p:nvSpPr>
+          <p:cNvPr id="3" name="Notes Placeholder 2"/>
+          <p:cNvSpPr>
+            <a:spLocks noGrp="1"/>
+          </p:cNvSpPr>
+          <p:nvPr>
+            <p:ph type="body" idx="1"/>
+          </p:nvPr>
+        </p:nvSpPr>
+        <p:spPr/>
+        <p:txBody>
+          <a:bodyPr/>
+          <a:lstStyle/>
+          <a:p>
+            <a:endParaRPr lang="en-US" dirty="0"/>
+          </a:p>
+        </p:txBody>
+      </p:sp>
+      <p:sp>
+        <p:nvSpPr>
+          <p:cNvPr id="4" name="Slide Number Placeholder 3"/>
+          <p:cNvSpPr>
+            <a:spLocks noGrp="1"/>
+          </p:cNvSpPr>
+          <p:nvPr>
+            <p:ph type="sldNum" sz="quarter" idx="5"/>
+          </p:nvPr>
+        </p:nvSpPr>
+        <p:spPr/>
+        <p:txBody>
+          <a:bodyPr/>
+          <a:lstStyle/>
+          <a:p>
+            <a:fld id="{F0941BCE-09AA-FC4D-BB53-4ABA386CD2BE}" type="slidenum">
+              <a:rPr lang="en-US" smtClean="0"/>
+              <a:t>8</a:t>
+            </a:fld>
+            <a:endParaRPr lang="en-US"/>
+          </a:p>
+        </p:txBody>
+      </p:sp>
+    </p:spTree>
+    <p:extLst>
+      <p:ext uri="{BB962C8B-B14F-4D97-AF65-F5344CB8AC3E}">
+        <p14:creationId xmlns:p14="http://schemas.microsoft.com/office/powerpoint/2010/main" val="4005306301"/>
+      </p:ext>
+    </p:extLst>
+  </p:cSld>
+  <p:clrMapOvr>
+    <a:masterClrMapping/>
+  </p:clrMapOvr>
+</p:notes>
+</file>
+
+<file path=ppt/notesSlides/notesSlide8.xml><?xml version="1.0" encoding="utf-8"?>
+<p:notes xmlns:a="http://schemas.openxmlformats.org/drawingml/2006/main" xmlns:r="http://schemas.openxmlformats.org/officeDocument/2006/relationships" xmlns:p="http://schemas.openxmlformats.org/presentationml/2006/main">
+  <p:cSld>
+    <p:spTree>
+      <p:nvGrpSpPr>
+        <p:cNvPr id="1" name=""/>
+        <p:cNvGrpSpPr/>
+        <p:nvPr/>
+      </p:nvGrpSpPr>
+      <p:grpSpPr>
+        <a:xfrm>
+          <a:off x="0" y="0"/>
+          <a:ext cx="0" cy="0"/>
+          <a:chOff x="0" y="0"/>
+          <a:chExt cx="0" cy="0"/>
+        </a:xfrm>
+      </p:grpSpPr>
+      <p:sp>
+        <p:nvSpPr>
+          <p:cNvPr id="2" name="Slide Image Placeholder 1"/>
+          <p:cNvSpPr>
+            <a:spLocks noGrp="1" noRot="1" noChangeAspect="1"/>
+          </p:cNvSpPr>
+          <p:nvPr>
+            <p:ph type="sldImg"/>
+          </p:nvPr>
+        </p:nvSpPr>
+        <p:spPr/>
+      </p:sp>
+      <p:sp>
+        <p:nvSpPr>
+          <p:cNvPr id="3" name="Notes Placeholder 2"/>
+          <p:cNvSpPr>
+            <a:spLocks noGrp="1"/>
+          </p:cNvSpPr>
+          <p:nvPr>
+            <p:ph type="body" idx="1"/>
+          </p:nvPr>
+        </p:nvSpPr>
+        <p:spPr/>
+        <p:txBody>
+          <a:bodyPr/>
+          <a:lstStyle/>
+          <a:p>
+            <a:r>
+              <a:rPr lang="en-US" dirty="0"/>
+              <a:t>We </a:t>
+            </a:r>
+            <a:r>
+              <a:rPr lang="en-US" dirty="0" err="1"/>
+              <a:t>gaan</a:t>
+            </a:r>
+            <a:r>
+              <a:rPr lang="en-US" dirty="0"/>
+              <a:t> “Move Laterally” </a:t>
+            </a:r>
+            <a:r>
+              <a:rPr lang="en-US" dirty="0" err="1"/>
+              <a:t>onderzoeken</a:t>
+            </a:r>
+            <a:r>
+              <a:rPr lang="en-US" dirty="0"/>
+              <a:t> </a:t>
+            </a:r>
+            <a:r>
+              <a:rPr lang="en-US" dirty="0" err="1"/>
+              <a:t>omdat</a:t>
+            </a:r>
+            <a:r>
+              <a:rPr lang="en-US" dirty="0"/>
+              <a:t> </a:t>
+            </a:r>
+            <a:r>
+              <a:rPr lang="en-US" dirty="0" err="1"/>
+              <a:t>dit</a:t>
+            </a:r>
+            <a:r>
+              <a:rPr lang="en-US" dirty="0"/>
+              <a:t>:</a:t>
+            </a:r>
+          </a:p>
+          <a:p>
+            <a:pPr marL="171450" indent="-171450">
+              <a:buFont typeface="Arial" panose="020B0604020202020204" pitchFamily="34" charset="0"/>
+              <a:buChar char="•"/>
+            </a:pPr>
+            <a:r>
+              <a:rPr lang="en-US" dirty="0" err="1"/>
+              <a:t>Slecht</a:t>
+            </a:r>
+            <a:r>
+              <a:rPr lang="en-US" dirty="0"/>
+              <a:t> </a:t>
+            </a:r>
+            <a:r>
+              <a:rPr lang="en-US" dirty="0" err="1"/>
+              <a:t>naar</a:t>
+            </a:r>
+            <a:r>
+              <a:rPr lang="en-US" dirty="0"/>
+              <a:t> </a:t>
+            </a:r>
+            <a:r>
+              <a:rPr lang="en-US" dirty="0" err="1"/>
+              <a:t>voren</a:t>
+            </a:r>
+            <a:r>
+              <a:rPr lang="en-US" dirty="0"/>
+              <a:t> </a:t>
+            </a:r>
+            <a:r>
+              <a:rPr lang="en-US" dirty="0" err="1"/>
+              <a:t>komt</a:t>
+            </a:r>
+            <a:r>
+              <a:rPr lang="en-US" dirty="0"/>
+              <a:t> in </a:t>
+            </a:r>
+            <a:r>
+              <a:rPr lang="en-US" dirty="0" err="1"/>
+              <a:t>huidige</a:t>
+            </a:r>
+            <a:r>
+              <a:rPr lang="en-US" dirty="0"/>
+              <a:t> </a:t>
+            </a:r>
+            <a:r>
+              <a:rPr lang="en-US" dirty="0" err="1"/>
+              <a:t>oplossingen</a:t>
+            </a:r>
+            <a:r>
+              <a:rPr lang="en-US" dirty="0"/>
+              <a:t>;</a:t>
+            </a:r>
+          </a:p>
+          <a:p>
+            <a:pPr marL="171450" indent="-171450">
+              <a:buFont typeface="Arial" panose="020B0604020202020204" pitchFamily="34" charset="0"/>
+              <a:buChar char="•"/>
+            </a:pPr>
+            <a:r>
+              <a:rPr lang="en-US" dirty="0"/>
+              <a:t>Het APT team </a:t>
+            </a:r>
+            <a:r>
+              <a:rPr lang="en-US" dirty="0" err="1"/>
+              <a:t>lang</a:t>
+            </a:r>
+            <a:r>
+              <a:rPr lang="en-US" dirty="0"/>
+              <a:t> in </a:t>
+            </a:r>
+            <a:r>
+              <a:rPr lang="en-US" dirty="0" err="1"/>
+              <a:t>deze</a:t>
+            </a:r>
+            <a:r>
+              <a:rPr lang="en-US" dirty="0"/>
+              <a:t> stage </a:t>
+            </a:r>
+            <a:r>
+              <a:rPr lang="en-US" dirty="0" err="1"/>
+              <a:t>kan</a:t>
+            </a:r>
+            <a:r>
+              <a:rPr lang="en-US" dirty="0"/>
+              <a:t> </a:t>
+            </a:r>
+            <a:r>
+              <a:rPr lang="en-US" dirty="0" err="1"/>
+              <a:t>zitten</a:t>
+            </a:r>
+            <a:r>
+              <a:rPr lang="en-US" dirty="0"/>
+              <a:t>, </a:t>
+            </a:r>
+            <a:r>
+              <a:rPr lang="en-US" dirty="0" err="1"/>
+              <a:t>zolang</a:t>
+            </a:r>
+            <a:r>
+              <a:rPr lang="en-US" dirty="0"/>
+              <a:t> </a:t>
+            </a:r>
+            <a:r>
+              <a:rPr lang="en-US" dirty="0" err="1"/>
+              <a:t>ze</a:t>
+            </a:r>
+            <a:r>
+              <a:rPr lang="en-US" dirty="0"/>
+              <a:t> op </a:t>
+            </a:r>
+            <a:r>
+              <a:rPr lang="en-US" dirty="0" err="1"/>
+              <a:t>zoek</a:t>
+            </a:r>
+            <a:r>
+              <a:rPr lang="en-US" dirty="0"/>
+              <a:t> </a:t>
+            </a:r>
+            <a:r>
+              <a:rPr lang="en-US" dirty="0" err="1"/>
+              <a:t>zijn</a:t>
+            </a:r>
+            <a:r>
+              <a:rPr lang="en-US" dirty="0"/>
+              <a:t> </a:t>
+            </a:r>
+            <a:r>
+              <a:rPr lang="en-US" dirty="0" err="1"/>
+              <a:t>naar</a:t>
+            </a:r>
+            <a:r>
+              <a:rPr lang="en-US" dirty="0"/>
+              <a:t> de pot met </a:t>
+            </a:r>
+            <a:r>
+              <a:rPr lang="en-US" dirty="0" err="1"/>
+              <a:t>goud</a:t>
+            </a:r>
+            <a:r>
+              <a:rPr lang="en-US" dirty="0"/>
+              <a:t>.</a:t>
+            </a:r>
+          </a:p>
+          <a:p>
+            <a:endParaRPr lang="en-US" dirty="0"/>
+          </a:p>
+        </p:txBody>
+      </p:sp>
+      <p:sp>
+        <p:nvSpPr>
+          <p:cNvPr id="4" name="Slide Number Placeholder 3"/>
+          <p:cNvSpPr>
+            <a:spLocks noGrp="1"/>
+          </p:cNvSpPr>
+          <p:nvPr>
+            <p:ph type="sldNum" sz="quarter" idx="5"/>
+          </p:nvPr>
+        </p:nvSpPr>
+        <p:spPr/>
+        <p:txBody>
+          <a:bodyPr/>
+          <a:lstStyle/>
+          <a:p>
+            <a:fld id="{F0941BCE-09AA-FC4D-BB53-4ABA386CD2BE}" type="slidenum">
+              <a:rPr lang="en-US" smtClean="0"/>
+              <a:t>9</a:t>
+            </a:fld>
+            <a:endParaRPr lang="en-US"/>
+          </a:p>
+        </p:txBody>
+      </p:sp>
+    </p:spTree>
+    <p:extLst>
+      <p:ext uri="{BB962C8B-B14F-4D97-AF65-F5344CB8AC3E}">
+        <p14:creationId xmlns:p14="http://schemas.microsoft.com/office/powerpoint/2010/main" val="1519461595"/>
+      </p:ext>
+    </p:extLst>
+  </p:cSld>
+  <p:clrMapOvr>
+    <a:masterClrMapping/>
+  </p:clrMapOvr>
+</p:notes>
+</file>
+
+<file path=ppt/notesSlides/notesSlide9.xml><?xml version="1.0" encoding="utf-8"?>
+<p:notes xmlns:a="http://schemas.openxmlformats.org/drawingml/2006/main" xmlns:r="http://schemas.openxmlformats.org/officeDocument/2006/relationships" xmlns:p="http://schemas.openxmlformats.org/presentationml/2006/main">
+  <p:cSld>
+    <p:spTree>
+      <p:nvGrpSpPr>
+        <p:cNvPr id="1" name=""/>
+        <p:cNvGrpSpPr/>
+        <p:nvPr/>
+      </p:nvGrpSpPr>
+      <p:grpSpPr>
+        <a:xfrm>
+          <a:off x="0" y="0"/>
+          <a:ext cx="0" cy="0"/>
+          <a:chOff x="0" y="0"/>
+          <a:chExt cx="0" cy="0"/>
+        </a:xfrm>
+      </p:grpSpPr>
+      <p:sp>
+        <p:nvSpPr>
+          <p:cNvPr id="2" name="Slide Image Placeholder 1"/>
+          <p:cNvSpPr>
+            <a:spLocks noGrp="1" noRot="1" noChangeAspect="1"/>
+          </p:cNvSpPr>
+          <p:nvPr>
+            <p:ph type="sldImg"/>
+          </p:nvPr>
+        </p:nvSpPr>
+        <p:spPr/>
+      </p:sp>
+      <p:sp>
+        <p:nvSpPr>
+          <p:cNvPr id="3" name="Notes Placeholder 2"/>
+          <p:cNvSpPr>
+            <a:spLocks noGrp="1"/>
+          </p:cNvSpPr>
+          <p:nvPr>
+            <p:ph type="body" idx="1"/>
+          </p:nvPr>
+        </p:nvSpPr>
+        <p:spPr/>
+        <p:txBody>
+          <a:bodyPr/>
+          <a:lstStyle/>
+          <a:p>
+            <a:endParaRPr lang="en-US" dirty="0"/>
+          </a:p>
+        </p:txBody>
+      </p:sp>
+      <p:sp>
+        <p:nvSpPr>
+          <p:cNvPr id="4" name="Slide Number Placeholder 3"/>
+          <p:cNvSpPr>
+            <a:spLocks noGrp="1"/>
+          </p:cNvSpPr>
+          <p:nvPr>
+            <p:ph type="sldNum" sz="quarter" idx="5"/>
+          </p:nvPr>
+        </p:nvSpPr>
+        <p:spPr/>
+        <p:txBody>
+          <a:bodyPr/>
+          <a:lstStyle/>
+          <a:p>
+            <a:fld id="{F0941BCE-09AA-FC4D-BB53-4ABA386CD2BE}" type="slidenum">
+              <a:rPr lang="en-US" smtClean="0"/>
               <a:t>10</a:t>
             </a:fld>
             <a:endParaRPr lang="en-US"/>
@@ -1478,7 +2033,7 @@
     </p:spTree>
     <p:extLst>
       <p:ext uri="{BB962C8B-B14F-4D97-AF65-F5344CB8AC3E}">
-        <p14:creationId xmlns:p14="http://schemas.microsoft.com/office/powerpoint/2010/main" val="1436729392"/>
+        <p14:creationId xmlns:p14="http://schemas.microsoft.com/office/powerpoint/2010/main" val="2369507233"/>
       </p:ext>
     </p:extLst>
   </p:cSld>
@@ -1635,7 +2190,7 @@
           <a:p>
             <a:fld id="{CE566E90-CEC9-0047-B730-8488E5E8A6D7}" type="datetimeFigureOut">
               <a:rPr lang="en-US" smtClean="0"/>
-              <a:t>11/3/21</a:t>
+              <a:t>11/4/21</a:t>
             </a:fld>
             <a:endParaRPr lang="en-US"/>
           </a:p>
@@ -1833,7 +2388,7 @@
           <a:p>
             <a:fld id="{CE566E90-CEC9-0047-B730-8488E5E8A6D7}" type="datetimeFigureOut">
               <a:rPr lang="en-US" smtClean="0"/>
-              <a:t>11/3/21</a:t>
+              <a:t>11/4/21</a:t>
             </a:fld>
             <a:endParaRPr lang="en-US"/>
           </a:p>
@@ -2041,7 +2596,7 @@
           <a:p>
             <a:fld id="{CE566E90-CEC9-0047-B730-8488E5E8A6D7}" type="datetimeFigureOut">
               <a:rPr lang="en-US" smtClean="0"/>
-              <a:t>11/3/21</a:t>
+              <a:t>11/4/21</a:t>
             </a:fld>
             <a:endParaRPr lang="en-US"/>
           </a:p>
@@ -2239,7 +2794,7 @@
           <a:p>
             <a:fld id="{CE566E90-CEC9-0047-B730-8488E5E8A6D7}" type="datetimeFigureOut">
               <a:rPr lang="en-US" smtClean="0"/>
-              <a:t>11/3/21</a:t>
+              <a:t>11/4/21</a:t>
             </a:fld>
             <a:endParaRPr lang="en-US"/>
           </a:p>
@@ -2514,7 +3069,7 @@
           <a:p>
             <a:fld id="{CE566E90-CEC9-0047-B730-8488E5E8A6D7}" type="datetimeFigureOut">
               <a:rPr lang="en-US" smtClean="0"/>
-              <a:t>11/3/21</a:t>
+              <a:t>11/4/21</a:t>
             </a:fld>
             <a:endParaRPr lang="en-US"/>
           </a:p>
@@ -2779,7 +3334,7 @@
           <a:p>
             <a:fld id="{CE566E90-CEC9-0047-B730-8488E5E8A6D7}" type="datetimeFigureOut">
               <a:rPr lang="en-US" smtClean="0"/>
-              <a:t>11/3/21</a:t>
+              <a:t>11/4/21</a:t>
             </a:fld>
             <a:endParaRPr lang="en-US"/>
           </a:p>
@@ -3191,7 +3746,7 @@
           <a:p>
             <a:fld id="{CE566E90-CEC9-0047-B730-8488E5E8A6D7}" type="datetimeFigureOut">
               <a:rPr lang="en-US" smtClean="0"/>
-              <a:t>11/3/21</a:t>
+              <a:t>11/4/21</a:t>
             </a:fld>
             <a:endParaRPr lang="en-US"/>
           </a:p>
@@ -3332,7 +3887,7 @@
           <a:p>
             <a:fld id="{CE566E90-CEC9-0047-B730-8488E5E8A6D7}" type="datetimeFigureOut">
               <a:rPr lang="en-US" smtClean="0"/>
-              <a:t>11/3/21</a:t>
+              <a:t>11/4/21</a:t>
             </a:fld>
             <a:endParaRPr lang="en-US"/>
           </a:p>
@@ -3445,7 +4000,7 @@
           <a:p>
             <a:fld id="{CE566E90-CEC9-0047-B730-8488E5E8A6D7}" type="datetimeFigureOut">
               <a:rPr lang="en-US" smtClean="0"/>
-              <a:t>11/3/21</a:t>
+              <a:t>11/4/21</a:t>
             </a:fld>
             <a:endParaRPr lang="en-US"/>
           </a:p>
@@ -3756,7 +4311,7 @@
           <a:p>
             <a:fld id="{CE566E90-CEC9-0047-B730-8488E5E8A6D7}" type="datetimeFigureOut">
               <a:rPr lang="en-US" smtClean="0"/>
-              <a:t>11/3/21</a:t>
+              <a:t>11/4/21</a:t>
             </a:fld>
             <a:endParaRPr lang="en-US"/>
           </a:p>
@@ -4044,7 +4599,7 @@
           <a:p>
             <a:fld id="{CE566E90-CEC9-0047-B730-8488E5E8A6D7}" type="datetimeFigureOut">
               <a:rPr lang="en-US" smtClean="0"/>
-              <a:t>11/3/21</a:t>
+              <a:t>11/4/21</a:t>
             </a:fld>
             <a:endParaRPr lang="en-US"/>
           </a:p>
@@ -4285,7 +4840,7 @@
           <a:p>
             <a:fld id="{CE566E90-CEC9-0047-B730-8488E5E8A6D7}" type="datetimeFigureOut">
               <a:rPr lang="en-US" smtClean="0"/>
-              <a:t>11/3/21</a:t>
+              <a:t>11/4/21</a:t>
             </a:fld>
             <a:endParaRPr lang="en-US"/>
           </a:p>
@@ -4812,6 +5367,180 @@
           <p:cNvPr id="2" name="Title 1">
             <a:extLst>
               <a:ext uri="{FF2B5EF4-FFF2-40B4-BE49-F238E27FC236}">
+                <a16:creationId xmlns:a16="http://schemas.microsoft.com/office/drawing/2014/main" id="{AFA00B28-5FD0-7E4F-929D-7F8230478D1F}"/>
+              </a:ext>
+            </a:extLst>
+          </p:cNvPr>
+          <p:cNvSpPr>
+            <a:spLocks noGrp="1"/>
+          </p:cNvSpPr>
+          <p:nvPr>
+            <p:ph type="title"/>
+          </p:nvPr>
+        </p:nvSpPr>
+        <p:spPr/>
+        <p:txBody>
+          <a:bodyPr/>
+          <a:lstStyle/>
+          <a:p>
+            <a:r>
+              <a:rPr lang="en-US" dirty="0"/>
+              <a:t>Feature Engineering</a:t>
+            </a:r>
+          </a:p>
+        </p:txBody>
+      </p:sp>
+      <p:pic>
+        <p:nvPicPr>
+          <p:cNvPr id="13" name="Content Placeholder 12">
+            <a:extLst>
+              <a:ext uri="{FF2B5EF4-FFF2-40B4-BE49-F238E27FC236}">
+                <a16:creationId xmlns:a16="http://schemas.microsoft.com/office/drawing/2014/main" id="{9368766C-F170-3542-BD0C-F7DE4BBE2C96}"/>
+              </a:ext>
+            </a:extLst>
+          </p:cNvPr>
+          <p:cNvPicPr>
+            <a:picLocks noGrp="1" noChangeAspect="1"/>
+          </p:cNvPicPr>
+          <p:nvPr>
+            <p:ph sz="half" idx="1"/>
+          </p:nvPr>
+        </p:nvPicPr>
+        <p:blipFill>
+          <a:blip r:embed="rId3"/>
+          <a:stretch>
+            <a:fillRect/>
+          </a:stretch>
+        </p:blipFill>
+        <p:spPr>
+          <a:xfrm>
+            <a:off x="1018389" y="2362931"/>
+            <a:ext cx="3032907" cy="3041988"/>
+          </a:xfrm>
+        </p:spPr>
+      </p:pic>
+      <p:sp>
+        <p:nvSpPr>
+          <p:cNvPr id="14" name="Content Placeholder 13">
+            <a:extLst>
+              <a:ext uri="{FF2B5EF4-FFF2-40B4-BE49-F238E27FC236}">
+                <a16:creationId xmlns:a16="http://schemas.microsoft.com/office/drawing/2014/main" id="{B6D67A3F-1238-9446-8B18-03C22525061F}"/>
+              </a:ext>
+            </a:extLst>
+          </p:cNvPr>
+          <p:cNvSpPr>
+            <a:spLocks noGrp="1"/>
+          </p:cNvSpPr>
+          <p:nvPr>
+            <p:ph sz="half" idx="2"/>
+          </p:nvPr>
+        </p:nvSpPr>
+        <p:spPr>
+          <a:xfrm>
+            <a:off x="4934139" y="1825625"/>
+            <a:ext cx="6419661" cy="4351338"/>
+          </a:xfrm>
+        </p:spPr>
+        <p:txBody>
+          <a:bodyPr/>
+          <a:lstStyle/>
+          <a:p>
+            <a:pPr marL="0" indent="0">
+              <a:buNone/>
+            </a:pPr>
+            <a:r>
+              <a:rPr lang="en-US" sz="3200" i="1" dirty="0"/>
+              <a:t>Move Laterally…</a:t>
+            </a:r>
+          </a:p>
+          <a:p>
+            <a:endParaRPr lang="en-US" dirty="0"/>
+          </a:p>
+          <a:p>
+            <a:pPr marL="0" indent="0">
+              <a:buNone/>
+            </a:pPr>
+            <a:r>
+              <a:rPr lang="en-US" dirty="0"/>
+              <a:t>Starts with:</a:t>
+            </a:r>
+          </a:p>
+          <a:p>
+            <a:r>
+              <a:rPr lang="en-US" sz="2400" dirty="0"/>
+              <a:t>Discover internal network structure</a:t>
+            </a:r>
+          </a:p>
+          <a:p>
+            <a:pPr marL="0" indent="0">
+              <a:buNone/>
+            </a:pPr>
+            <a:endParaRPr lang="en-US" dirty="0"/>
+          </a:p>
+          <a:p>
+            <a:pPr marL="0" indent="0">
+              <a:buNone/>
+            </a:pPr>
+            <a:r>
+              <a:rPr lang="en-US" dirty="0"/>
+              <a:t>Accomplished by:</a:t>
+            </a:r>
+          </a:p>
+          <a:p>
+            <a:r>
+              <a:rPr lang="en-US" sz="2400" dirty="0"/>
+              <a:t>Executing Port scan</a:t>
+            </a:r>
+          </a:p>
+          <a:p>
+            <a:pPr marL="0" indent="0">
+              <a:buNone/>
+            </a:pPr>
+            <a:endParaRPr lang="en-US" dirty="0"/>
+          </a:p>
+          <a:p>
+            <a:pPr marL="0" indent="0">
+              <a:buNone/>
+            </a:pPr>
+            <a:endParaRPr lang="en-US" dirty="0"/>
+          </a:p>
+        </p:txBody>
+      </p:sp>
+    </p:spTree>
+    <p:extLst>
+      <p:ext uri="{BB962C8B-B14F-4D97-AF65-F5344CB8AC3E}">
+        <p14:creationId xmlns:p14="http://schemas.microsoft.com/office/powerpoint/2010/main" val="3908293304"/>
+      </p:ext>
+    </p:extLst>
+  </p:cSld>
+  <p:clrMapOvr>
+    <a:masterClrMapping/>
+  </p:clrMapOvr>
+</p:sld>
+</file>
+
+<file path=ppt/slides/slide11.xml><?xml version="1.0" encoding="utf-8"?>
+<p:sld xmlns:a="http://schemas.openxmlformats.org/drawingml/2006/main" xmlns:r="http://schemas.openxmlformats.org/officeDocument/2006/relationships" xmlns:p="http://schemas.openxmlformats.org/presentationml/2006/main">
+  <p:cSld>
+    <p:spTree>
+      <p:nvGrpSpPr>
+        <p:cNvPr id="1" name=""/>
+        <p:cNvGrpSpPr/>
+        <p:nvPr/>
+      </p:nvGrpSpPr>
+      <p:grpSpPr>
+        <a:xfrm>
+          <a:off x="0" y="0"/>
+          <a:ext cx="0" cy="0"/>
+          <a:chOff x="0" y="0"/>
+          <a:chExt cx="0" cy="0"/>
+        </a:xfrm>
+      </p:grpSpPr>
+      <p:sp>
+        <p:nvSpPr>
+          <p:cNvPr id="2" name="Title 1">
+            <a:extLst>
+              <a:ext uri="{FF2B5EF4-FFF2-40B4-BE49-F238E27FC236}">
                 <a16:creationId xmlns:a16="http://schemas.microsoft.com/office/drawing/2014/main" id="{BE30FD97-D7E3-F740-82E8-DFF30E5D1885}"/>
               </a:ext>
             </a:extLst>
@@ -5052,7 +5781,7 @@
 </p:sld>
 </file>
 
-<file path=ppt/slides/slide11.xml><?xml version="1.0" encoding="utf-8"?>
+<file path=ppt/slides/slide12.xml><?xml version="1.0" encoding="utf-8"?>
 <p:sld xmlns:a="http://schemas.openxmlformats.org/drawingml/2006/main" xmlns:r="http://schemas.openxmlformats.org/officeDocument/2006/relationships" xmlns:p="http://schemas.openxmlformats.org/presentationml/2006/main">
   <p:cSld>
     <p:spTree>
@@ -5092,7 +5821,7 @@
           <a:p>
             <a:r>
               <a:rPr lang="en-US" dirty="0"/>
-              <a:t>EDA Results</a:t>
+              <a:t>Feature Engineering Results</a:t>
             </a:r>
           </a:p>
         </p:txBody>
@@ -5388,6 +6117,111 @@
           </a:xfrm>
         </p:spPr>
       </p:pic>
+      <p:grpSp>
+        <p:nvGrpSpPr>
+          <p:cNvPr id="11" name="Group 10">
+            <a:extLst>
+              <a:ext uri="{FF2B5EF4-FFF2-40B4-BE49-F238E27FC236}">
+                <a16:creationId xmlns:a16="http://schemas.microsoft.com/office/drawing/2014/main" id="{6DF742F3-2599-714B-A45F-5E13D83EC75F}"/>
+              </a:ext>
+            </a:extLst>
+          </p:cNvPr>
+          <p:cNvGrpSpPr/>
+          <p:nvPr/>
+        </p:nvGrpSpPr>
+        <p:grpSpPr>
+          <a:xfrm>
+            <a:off x="7993522" y="2417379"/>
+            <a:ext cx="3216166" cy="3237187"/>
+            <a:chOff x="8040414" y="2417379"/>
+            <a:chExt cx="3216166" cy="3237187"/>
+          </a:xfrm>
+        </p:grpSpPr>
+        <p:cxnSp>
+          <p:nvCxnSpPr>
+            <p:cNvPr id="4" name="Straight Connector 3">
+              <a:extLst>
+                <a:ext uri="{FF2B5EF4-FFF2-40B4-BE49-F238E27FC236}">
+                  <a16:creationId xmlns:a16="http://schemas.microsoft.com/office/drawing/2014/main" id="{A1694EA9-8E60-E24E-B81C-DB2E61B7E73B}"/>
+                </a:ext>
+              </a:extLst>
+            </p:cNvPr>
+            <p:cNvCxnSpPr/>
+            <p:nvPr/>
+          </p:nvCxnSpPr>
+          <p:spPr>
+            <a:xfrm>
+              <a:off x="8040414" y="2417379"/>
+              <a:ext cx="3216165" cy="3237187"/>
+            </a:xfrm>
+            <a:prstGeom prst="line">
+              <a:avLst/>
+            </a:prstGeom>
+            <a:ln w="76200">
+              <a:solidFill>
+                <a:srgbClr val="C00000"/>
+              </a:solidFill>
+            </a:ln>
+          </p:spPr>
+          <p:style>
+            <a:lnRef idx="1">
+              <a:schemeClr val="accent1"/>
+            </a:lnRef>
+            <a:fillRef idx="0">
+              <a:schemeClr val="accent1"/>
+            </a:fillRef>
+            <a:effectRef idx="0">
+              <a:schemeClr val="accent1"/>
+            </a:effectRef>
+            <a:fontRef idx="minor">
+              <a:schemeClr val="tx1"/>
+            </a:fontRef>
+          </p:style>
+        </p:cxnSp>
+        <p:cxnSp>
+          <p:nvCxnSpPr>
+            <p:cNvPr id="6" name="Straight Connector 5">
+              <a:extLst>
+                <a:ext uri="{FF2B5EF4-FFF2-40B4-BE49-F238E27FC236}">
+                  <a16:creationId xmlns:a16="http://schemas.microsoft.com/office/drawing/2014/main" id="{36C420AB-554C-4F46-88EA-8E83FC03DF3D}"/>
+                </a:ext>
+              </a:extLst>
+            </p:cNvPr>
+            <p:cNvCxnSpPr>
+              <a:cxnSpLocks/>
+            </p:cNvCxnSpPr>
+            <p:nvPr/>
+          </p:nvCxnSpPr>
+          <p:spPr>
+            <a:xfrm flipH="1">
+              <a:off x="8040414" y="2417379"/>
+              <a:ext cx="3216166" cy="3237187"/>
+            </a:xfrm>
+            <a:prstGeom prst="line">
+              <a:avLst/>
+            </a:prstGeom>
+            <a:ln w="76200">
+              <a:solidFill>
+                <a:srgbClr val="C00000"/>
+              </a:solidFill>
+            </a:ln>
+          </p:spPr>
+          <p:style>
+            <a:lnRef idx="1">
+              <a:schemeClr val="accent1"/>
+            </a:lnRef>
+            <a:fillRef idx="0">
+              <a:schemeClr val="accent1"/>
+            </a:fillRef>
+            <a:effectRef idx="0">
+              <a:schemeClr val="accent1"/>
+            </a:effectRef>
+            <a:fontRef idx="minor">
+              <a:schemeClr val="tx1"/>
+            </a:fontRef>
+          </p:style>
+        </p:cxnSp>
+      </p:grpSp>
     </p:spTree>
     <p:extLst>
       <p:ext uri="{BB962C8B-B14F-4D97-AF65-F5344CB8AC3E}">
@@ -5433,7 +6267,7 @@
           <p:nvPr/>
         </p:nvPicPr>
         <p:blipFill>
-          <a:blip r:embed="rId2"/>
+          <a:blip r:embed="rId3"/>
           <a:stretch>
             <a:fillRect/>
           </a:stretch>
@@ -5613,7 +6447,7 @@
           </p:nvPr>
         </p:nvPicPr>
         <p:blipFill>
-          <a:blip r:embed="rId2"/>
+          <a:blip r:embed="rId3"/>
           <a:stretch>
             <a:fillRect/>
           </a:stretch>
@@ -5640,7 +6474,7 @@
           <p:nvPr/>
         </p:nvPicPr>
         <p:blipFill>
-          <a:blip r:embed="rId3"/>
+          <a:blip r:embed="rId4"/>
           <a:stretch>
             <a:fillRect/>
           </a:stretch>
@@ -5730,7 +6564,7 @@
           </p:nvPr>
         </p:nvPicPr>
         <p:blipFill>
-          <a:blip r:embed="rId2"/>
+          <a:blip r:embed="rId3"/>
           <a:stretch>
             <a:fillRect/>
           </a:stretch>
@@ -5760,7 +6594,7 @@
           <p:nvPr/>
         </p:nvPicPr>
         <p:blipFill>
-          <a:blip r:embed="rId3"/>
+          <a:blip r:embed="rId4"/>
           <a:stretch>
             <a:fillRect/>
           </a:stretch>
@@ -5775,112 +6609,258 @@
           </a:prstGeom>
         </p:spPr>
       </p:pic>
-      <p:sp>
-        <p:nvSpPr>
-          <p:cNvPr id="7" name="TextBox 6">
-            <a:extLst>
-              <a:ext uri="{FF2B5EF4-FFF2-40B4-BE49-F238E27FC236}">
-                <a16:creationId xmlns:a16="http://schemas.microsoft.com/office/drawing/2014/main" id="{FB0D1834-44A2-6148-94CC-270F5A039E02}"/>
-              </a:ext>
-            </a:extLst>
-          </p:cNvPr>
-          <p:cNvSpPr txBox="1"/>
-          <p:nvPr/>
-        </p:nvSpPr>
-        <p:spPr>
-          <a:xfrm>
-            <a:off x="5528316" y="4354166"/>
-            <a:ext cx="1594624" cy="1200329"/>
-          </a:xfrm>
-          <a:prstGeom prst="rect">
-            <a:avLst/>
-          </a:prstGeom>
-          <a:noFill/>
-        </p:spPr>
-        <p:txBody>
-          <a:bodyPr wrap="square" rtlCol="0">
-            <a:spAutoFit/>
-          </a:bodyPr>
-          <a:lstStyle/>
-          <a:p>
-            <a:r>
-              <a:rPr lang="en-US" sz="2400" i="1" dirty="0">
-                <a:latin typeface="Monaco" pitchFamily="2" charset="77"/>
-              </a:rPr>
-              <a:t>	FP</a:t>
-            </a:r>
-          </a:p>
-          <a:p>
-            <a:r>
-              <a:rPr lang="en-US" sz="2400" i="1" dirty="0">
-                <a:latin typeface="Monaco" pitchFamily="2" charset="77"/>
-              </a:rPr>
-              <a:t>FPR =	--</a:t>
-            </a:r>
-          </a:p>
-          <a:p>
-            <a:r>
-              <a:rPr lang="en-US" sz="2400" i="1" dirty="0">
-                <a:latin typeface="Monaco" pitchFamily="2" charset="77"/>
-              </a:rPr>
-              <a:t>	N</a:t>
-            </a:r>
-          </a:p>
-        </p:txBody>
-      </p:sp>
-      <p:sp>
-        <p:nvSpPr>
-          <p:cNvPr id="8" name="TextBox 7">
-            <a:extLst>
-              <a:ext uri="{FF2B5EF4-FFF2-40B4-BE49-F238E27FC236}">
-                <a16:creationId xmlns:a16="http://schemas.microsoft.com/office/drawing/2014/main" id="{225F78C9-B8AD-7249-A48B-0325745A9CC5}"/>
-              </a:ext>
-            </a:extLst>
-          </p:cNvPr>
-          <p:cNvSpPr txBox="1"/>
-          <p:nvPr/>
-        </p:nvSpPr>
-        <p:spPr>
-          <a:xfrm>
-            <a:off x="5528316" y="2722345"/>
-            <a:ext cx="1594624" cy="1200329"/>
-          </a:xfrm>
-          <a:prstGeom prst="rect">
-            <a:avLst/>
-          </a:prstGeom>
-          <a:noFill/>
-        </p:spPr>
-        <p:txBody>
-          <a:bodyPr wrap="square" rtlCol="0">
-            <a:spAutoFit/>
-          </a:bodyPr>
-          <a:lstStyle/>
-          <a:p>
-            <a:r>
-              <a:rPr lang="en-US" sz="2400" i="1" dirty="0">
-                <a:latin typeface="Monaco" pitchFamily="2" charset="77"/>
-              </a:rPr>
-              <a:t>	TP</a:t>
-            </a:r>
-          </a:p>
-          <a:p>
-            <a:r>
-              <a:rPr lang="en-US" sz="2400" i="1" dirty="0">
-                <a:latin typeface="Monaco" pitchFamily="2" charset="77"/>
-              </a:rPr>
-              <a:t>TPR =	--</a:t>
-            </a:r>
-          </a:p>
-          <a:p>
-            <a:r>
-              <a:rPr lang="en-US" sz="2400" i="1" dirty="0">
-                <a:latin typeface="Monaco" pitchFamily="2" charset="77"/>
-              </a:rPr>
-              <a:t>	P</a:t>
-            </a:r>
-          </a:p>
-        </p:txBody>
-      </p:sp>
+      <mc:AlternateContent xmlns:mc="http://schemas.openxmlformats.org/markup-compatibility/2006">
+        <mc:Choice xmlns:a14="http://schemas.microsoft.com/office/drawing/2010/main" Requires="a14">
+          <p:sp>
+            <p:nvSpPr>
+              <p:cNvPr id="3" name="TextBox 2">
+                <a:extLst>
+                  <a:ext uri="{FF2B5EF4-FFF2-40B4-BE49-F238E27FC236}">
+                    <a16:creationId xmlns:a16="http://schemas.microsoft.com/office/drawing/2014/main" id="{4264A47E-FF60-D54B-BDDE-9EBA08FAD638}"/>
+                  </a:ext>
+                </a:extLst>
+              </p:cNvPr>
+              <p:cNvSpPr txBox="1"/>
+              <p:nvPr/>
+            </p:nvSpPr>
+            <p:spPr>
+              <a:xfrm>
+                <a:off x="5378254" y="2673396"/>
+                <a:ext cx="1907573" cy="918778"/>
+              </a:xfrm>
+              <a:prstGeom prst="rect">
+                <a:avLst/>
+              </a:prstGeom>
+              <a:noFill/>
+            </p:spPr>
+            <p:txBody>
+              <a:bodyPr wrap="none" lIns="0" tIns="0" rIns="0" bIns="0" rtlCol="0">
+                <a:spAutoFit/>
+              </a:bodyPr>
+              <a:lstStyle/>
+              <a:p>
+                <a14:m>
+                  <m:oMathPara xmlns:m="http://schemas.openxmlformats.org/officeDocument/2006/math">
+                    <m:oMathParaPr>
+                      <m:jc m:val="centerGroup"/>
+                    </m:oMathParaPr>
+                    <m:oMath xmlns:m="http://schemas.openxmlformats.org/officeDocument/2006/math">
+                      <m:r>
+                        <a:rPr lang="nl-NL" sz="3200" b="0" i="1" smtClean="0">
+                          <a:latin typeface="Cambria Math" panose="02040503050406030204" pitchFamily="18" charset="0"/>
+                        </a:rPr>
+                        <m:t>𝑇𝑃𝑅</m:t>
+                      </m:r>
+                      <m:r>
+                        <a:rPr lang="en-US" sz="3200" i="1" smtClean="0">
+                          <a:latin typeface="Cambria Math" panose="02040503050406030204" pitchFamily="18" charset="0"/>
+                        </a:rPr>
+                        <m:t>=</m:t>
+                      </m:r>
+                      <m:f>
+                        <m:fPr>
+                          <m:ctrlPr>
+                            <a:rPr lang="en-US" sz="3200" i="1" smtClean="0">
+                              <a:latin typeface="Cambria Math" panose="02040503050406030204" pitchFamily="18" charset="0"/>
+                            </a:rPr>
+                          </m:ctrlPr>
+                        </m:fPr>
+                        <m:num>
+                          <m:r>
+                            <a:rPr lang="nl-NL" sz="3200" b="0" i="1" smtClean="0">
+                              <a:latin typeface="Cambria Math" panose="02040503050406030204" pitchFamily="18" charset="0"/>
+                            </a:rPr>
+                            <m:t>𝑇𝑃</m:t>
+                          </m:r>
+                        </m:num>
+                        <m:den>
+                          <m:r>
+                            <a:rPr lang="nl-NL" sz="3200" b="0" i="1" smtClean="0">
+                              <a:latin typeface="Cambria Math" panose="02040503050406030204" pitchFamily="18" charset="0"/>
+                            </a:rPr>
+                            <m:t>𝑃</m:t>
+                          </m:r>
+                        </m:den>
+                      </m:f>
+                    </m:oMath>
+                  </m:oMathPara>
+                </a14:m>
+                <a:endParaRPr lang="en-US" sz="3200" dirty="0"/>
+              </a:p>
+            </p:txBody>
+          </p:sp>
+        </mc:Choice>
+        <mc:Fallback>
+          <p:sp>
+            <p:nvSpPr>
+              <p:cNvPr id="3" name="TextBox 2">
+                <a:extLst>
+                  <a:ext uri="{FF2B5EF4-FFF2-40B4-BE49-F238E27FC236}">
+                    <a16:creationId xmlns:a16="http://schemas.microsoft.com/office/drawing/2014/main" id="{4264A47E-FF60-D54B-BDDE-9EBA08FAD638}"/>
+                  </a:ext>
+                </a:extLst>
+              </p:cNvPr>
+              <p:cNvSpPr txBox="1">
+                <a:spLocks noRot="1" noChangeAspect="1" noMove="1" noResize="1" noEditPoints="1" noAdjustHandles="1" noChangeArrowheads="1" noChangeShapeType="1" noTextEdit="1"/>
+              </p:cNvSpPr>
+              <p:nvPr/>
+            </p:nvSpPr>
+            <p:spPr>
+              <a:xfrm>
+                <a:off x="5378254" y="2673396"/>
+                <a:ext cx="1907573" cy="918778"/>
+              </a:xfrm>
+              <a:prstGeom prst="rect">
+                <a:avLst/>
+              </a:prstGeom>
+              <a:blipFill>
+                <a:blip r:embed="rId5"/>
+                <a:stretch>
+                  <a:fillRect l="-3289" t="-1370" r="-3289" b="-13699"/>
+                </a:stretch>
+              </a:blipFill>
+            </p:spPr>
+            <p:txBody>
+              <a:bodyPr/>
+              <a:lstStyle/>
+              <a:p>
+                <a:r>
+                  <a:rPr lang="en-US">
+                    <a:noFill/>
+                  </a:rPr>
+                  <a:t> </a:t>
+                </a:r>
+              </a:p>
+            </p:txBody>
+          </p:sp>
+        </mc:Fallback>
+      </mc:AlternateContent>
+      <mc:AlternateContent xmlns:mc="http://schemas.openxmlformats.org/markup-compatibility/2006">
+        <mc:Choice xmlns:a14="http://schemas.microsoft.com/office/drawing/2010/main" Requires="a14">
+          <p:sp>
+            <p:nvSpPr>
+              <p:cNvPr id="9" name="TextBox 8">
+                <a:extLst>
+                  <a:ext uri="{FF2B5EF4-FFF2-40B4-BE49-F238E27FC236}">
+                    <a16:creationId xmlns:a16="http://schemas.microsoft.com/office/drawing/2014/main" id="{CD873D3D-856C-2643-ACAF-DF5B4500E78B}"/>
+                  </a:ext>
+                </a:extLst>
+              </p:cNvPr>
+              <p:cNvSpPr txBox="1"/>
+              <p:nvPr/>
+            </p:nvSpPr>
+            <p:spPr>
+              <a:xfrm>
+                <a:off x="5365429" y="4574882"/>
+                <a:ext cx="1920398" cy="918778"/>
+              </a:xfrm>
+              <a:prstGeom prst="rect">
+                <a:avLst/>
+              </a:prstGeom>
+              <a:noFill/>
+            </p:spPr>
+            <p:txBody>
+              <a:bodyPr wrap="none" lIns="0" tIns="0" rIns="0" bIns="0" rtlCol="0">
+                <a:spAutoFit/>
+              </a:bodyPr>
+              <a:lstStyle/>
+              <a:p>
+                <a14:m>
+                  <m:oMathPara xmlns:m="http://schemas.openxmlformats.org/officeDocument/2006/math">
+                    <m:oMathParaPr>
+                      <m:jc m:val="centerGroup"/>
+                    </m:oMathParaPr>
+                    <m:oMath xmlns:m="http://schemas.openxmlformats.org/officeDocument/2006/math">
+                      <m:r>
+                        <a:rPr lang="nl-NL" sz="3200" b="0" i="1" smtClean="0">
+                          <a:latin typeface="Cambria Math" panose="02040503050406030204" pitchFamily="18" charset="0"/>
+                        </a:rPr>
+                        <m:t>𝐹𝑃𝑅</m:t>
+                      </m:r>
+                      <m:r>
+                        <a:rPr lang="en-US" sz="3200" i="1" smtClean="0">
+                          <a:latin typeface="Cambria Math" panose="02040503050406030204" pitchFamily="18" charset="0"/>
+                        </a:rPr>
+                        <m:t>=</m:t>
+                      </m:r>
+                      <m:f>
+                        <m:fPr>
+                          <m:ctrlPr>
+                            <a:rPr lang="en-US" sz="3200" i="1" smtClean="0">
+                              <a:latin typeface="Cambria Math" panose="02040503050406030204" pitchFamily="18" charset="0"/>
+                            </a:rPr>
+                          </m:ctrlPr>
+                        </m:fPr>
+                        <m:num>
+                          <m:r>
+                            <a:rPr lang="nl-NL" sz="3200" b="0" i="1" smtClean="0">
+                              <a:latin typeface="Cambria Math" panose="02040503050406030204" pitchFamily="18" charset="0"/>
+                            </a:rPr>
+                            <m:t>𝐹𝑃</m:t>
+                          </m:r>
+                        </m:num>
+                        <m:den>
+                          <m:r>
+                            <a:rPr lang="nl-NL" sz="3200" b="0" i="1" smtClean="0">
+                              <a:latin typeface="Cambria Math" panose="02040503050406030204" pitchFamily="18" charset="0"/>
+                            </a:rPr>
+                            <m:t>𝑁</m:t>
+                          </m:r>
+                        </m:den>
+                      </m:f>
+                    </m:oMath>
+                  </m:oMathPara>
+                </a14:m>
+                <a:endParaRPr lang="en-US" sz="3200" dirty="0"/>
+              </a:p>
+            </p:txBody>
+          </p:sp>
+        </mc:Choice>
+        <mc:Fallback>
+          <p:sp>
+            <p:nvSpPr>
+              <p:cNvPr id="9" name="TextBox 8">
+                <a:extLst>
+                  <a:ext uri="{FF2B5EF4-FFF2-40B4-BE49-F238E27FC236}">
+                    <a16:creationId xmlns:a16="http://schemas.microsoft.com/office/drawing/2014/main" id="{CD873D3D-856C-2643-ACAF-DF5B4500E78B}"/>
+                  </a:ext>
+                </a:extLst>
+              </p:cNvPr>
+              <p:cNvSpPr txBox="1">
+                <a:spLocks noRot="1" noChangeAspect="1" noMove="1" noResize="1" noEditPoints="1" noAdjustHandles="1" noChangeArrowheads="1" noChangeShapeType="1" noTextEdit="1"/>
+              </p:cNvSpPr>
+              <p:nvPr/>
+            </p:nvSpPr>
+            <p:spPr>
+              <a:xfrm>
+                <a:off x="5365429" y="4574882"/>
+                <a:ext cx="1920398" cy="918778"/>
+              </a:xfrm>
+              <a:prstGeom prst="rect">
+                <a:avLst/>
+              </a:prstGeom>
+              <a:blipFill>
+                <a:blip r:embed="rId6"/>
+                <a:stretch>
+                  <a:fillRect l="-3268" t="-1370" r="-3268" b="-13699"/>
+                </a:stretch>
+              </a:blipFill>
+            </p:spPr>
+            <p:txBody>
+              <a:bodyPr/>
+              <a:lstStyle/>
+              <a:p>
+                <a:r>
+                  <a:rPr lang="en-US">
+                    <a:noFill/>
+                  </a:rPr>
+                  <a:t> </a:t>
+                </a:r>
+              </a:p>
+            </p:txBody>
+          </p:sp>
+        </mc:Fallback>
+      </mc:AlternateContent>
     </p:spTree>
     <p:extLst>
       <p:ext uri="{BB962C8B-B14F-4D97-AF65-F5344CB8AC3E}">
@@ -6224,7 +7204,7 @@
           <p:cNvPr id="2" name="Title 1">
             <a:extLst>
               <a:ext uri="{FF2B5EF4-FFF2-40B4-BE49-F238E27FC236}">
-                <a16:creationId xmlns:a16="http://schemas.microsoft.com/office/drawing/2014/main" id="{AFA00B28-5FD0-7E4F-929D-7F8230478D1F}"/>
+                <a16:creationId xmlns:a16="http://schemas.microsoft.com/office/drawing/2014/main" id="{C6E13B48-EF9B-5240-B09E-B77666DC66DB}"/>
               </a:ext>
             </a:extLst>
           </p:cNvPr>
@@ -6242,123 +7222,89 @@
           <a:p>
             <a:r>
               <a:rPr lang="en-US" dirty="0"/>
-              <a:t>Exploratory Data Analysis</a:t>
-            </a:r>
-          </a:p>
-        </p:txBody>
-      </p:sp>
-      <p:pic>
-        <p:nvPicPr>
-          <p:cNvPr id="13" name="Content Placeholder 12">
-            <a:extLst>
-              <a:ext uri="{FF2B5EF4-FFF2-40B4-BE49-F238E27FC236}">
-                <a16:creationId xmlns:a16="http://schemas.microsoft.com/office/drawing/2014/main" id="{9368766C-F170-3542-BD0C-F7DE4BBE2C96}"/>
-              </a:ext>
-            </a:extLst>
-          </p:cNvPr>
-          <p:cNvPicPr>
-            <a:picLocks noGrp="1" noChangeAspect="1"/>
-          </p:cNvPicPr>
-          <p:nvPr>
-            <p:ph sz="half" idx="1"/>
-          </p:nvPr>
-        </p:nvPicPr>
-        <p:blipFill>
-          <a:blip r:embed="rId3"/>
-          <a:stretch>
-            <a:fillRect/>
-          </a:stretch>
-        </p:blipFill>
-        <p:spPr>
-          <a:xfrm>
-            <a:off x="1018389" y="2362931"/>
-            <a:ext cx="3032907" cy="3041988"/>
-          </a:xfrm>
-        </p:spPr>
-      </p:pic>
-      <p:sp>
-        <p:nvSpPr>
-          <p:cNvPr id="14" name="Content Placeholder 13">
-            <a:extLst>
-              <a:ext uri="{FF2B5EF4-FFF2-40B4-BE49-F238E27FC236}">
-                <a16:creationId xmlns:a16="http://schemas.microsoft.com/office/drawing/2014/main" id="{B6D67A3F-1238-9446-8B18-03C22525061F}"/>
-              </a:ext>
-            </a:extLst>
-          </p:cNvPr>
-          <p:cNvSpPr>
-            <a:spLocks noGrp="1"/>
-          </p:cNvSpPr>
-          <p:nvPr>
-            <p:ph sz="half" idx="2"/>
-          </p:nvPr>
-        </p:nvSpPr>
-        <p:spPr>
-          <a:xfrm>
-            <a:off x="4934139" y="1825625"/>
-            <a:ext cx="6419661" cy="4351338"/>
-          </a:xfrm>
-        </p:spPr>
-        <p:txBody>
-          <a:bodyPr/>
-          <a:lstStyle/>
-          <a:p>
-            <a:pPr marL="0" indent="0">
-              <a:buNone/>
-            </a:pPr>
-            <a:r>
-              <a:rPr lang="en-US" sz="3200" i="1" dirty="0"/>
-              <a:t>Move Laterally…</a:t>
+              <a:t>Needs Analysis (3)</a:t>
+            </a:r>
+          </a:p>
+        </p:txBody>
+      </p:sp>
+      <p:sp>
+        <p:nvSpPr>
+          <p:cNvPr id="3" name="Content Placeholder 2">
+            <a:extLst>
+              <a:ext uri="{FF2B5EF4-FFF2-40B4-BE49-F238E27FC236}">
+                <a16:creationId xmlns:a16="http://schemas.microsoft.com/office/drawing/2014/main" id="{264DA70F-B9FD-1A4C-A499-327220EB2B79}"/>
+              </a:ext>
+            </a:extLst>
+          </p:cNvPr>
+          <p:cNvSpPr>
+            <a:spLocks noGrp="1"/>
+          </p:cNvSpPr>
+          <p:nvPr>
+            <p:ph idx="1"/>
+          </p:nvPr>
+        </p:nvSpPr>
+        <p:spPr/>
+        <p:txBody>
+          <a:bodyPr/>
+          <a:lstStyle/>
+          <a:p>
+            <a:r>
+              <a:rPr lang="en-US" dirty="0"/>
+              <a:t>Desired effect: Improved IDS models that can detect APTs</a:t>
+            </a:r>
+          </a:p>
+          <a:p>
+            <a:endParaRPr lang="en-US" i="1" dirty="0"/>
+          </a:p>
+          <a:p>
+            <a:r>
+              <a:rPr lang="en-US" i="1" dirty="0"/>
+              <a:t>Move laterally</a:t>
+            </a:r>
+            <a:r>
+              <a:rPr lang="en-US" dirty="0"/>
+              <a:t> is not well predicted in given context</a:t>
             </a:r>
           </a:p>
           <a:p>
             <a:endParaRPr lang="en-US" dirty="0"/>
           </a:p>
           <a:p>
-            <a:pPr marL="0" indent="0">
-              <a:buNone/>
-            </a:pPr>
-            <a:r>
-              <a:rPr lang="en-US" dirty="0"/>
-              <a:t>Starts with:</a:t>
-            </a:r>
-          </a:p>
-          <a:p>
-            <a:r>
-              <a:rPr lang="en-US" sz="2400" dirty="0"/>
-              <a:t>Discover internal network structure</a:t>
-            </a:r>
-          </a:p>
-          <a:p>
-            <a:pPr marL="0" indent="0">
-              <a:buNone/>
-            </a:pPr>
-            <a:endParaRPr lang="en-US" dirty="0"/>
-          </a:p>
-          <a:p>
-            <a:pPr marL="0" indent="0">
-              <a:buNone/>
-            </a:pPr>
-            <a:r>
-              <a:rPr lang="en-US" dirty="0"/>
-              <a:t>Accomplished by:</a:t>
-            </a:r>
-          </a:p>
-          <a:p>
-            <a:r>
-              <a:rPr lang="en-US" sz="2400" dirty="0"/>
-              <a:t>Executing Port scan</a:t>
-            </a:r>
-          </a:p>
-          <a:p>
-            <a:pPr marL="0" indent="0">
-              <a:buNone/>
-            </a:pPr>
-            <a:endParaRPr lang="en-US" dirty="0"/>
-          </a:p>
-          <a:p>
-            <a:pPr marL="0" indent="0">
-              <a:buNone/>
-            </a:pPr>
+            <a:r>
+              <a:rPr lang="en-US" dirty="0"/>
+              <a:t>Is better prediction on lateral movement feasible?</a:t>
+            </a:r>
+          </a:p>
+          <a:p>
+            <a:r>
+              <a:rPr lang="en-US" dirty="0"/>
+              <a:t>Should be conform</a:t>
+            </a:r>
+          </a:p>
+          <a:p>
+            <a:pPr lvl="1"/>
+            <a:r>
+              <a:rPr lang="en-US" dirty="0"/>
+              <a:t>Using Deep Learning Model for Network Scanning Detection </a:t>
+            </a:r>
+          </a:p>
+          <a:p>
+            <a:pPr lvl="1"/>
+            <a:r>
+              <a:rPr lang="en-US" dirty="0"/>
+              <a:t>Efficient Classification of </a:t>
+            </a:r>
+            <a:r>
+              <a:rPr lang="en-US" dirty="0" err="1"/>
+              <a:t>Portscan</a:t>
+            </a:r>
+            <a:r>
+              <a:rPr lang="en-US" dirty="0"/>
+              <a:t> Attacks using Support Vector Machine</a:t>
+            </a:r>
+          </a:p>
+          <a:p>
+            <a:pPr lvl="1"/>
             <a:endParaRPr lang="en-US" dirty="0"/>
           </a:p>
         </p:txBody>
@@ -6366,7 +7312,7 @@
     </p:spTree>
     <p:extLst>
       <p:ext uri="{BB962C8B-B14F-4D97-AF65-F5344CB8AC3E}">
-        <p14:creationId xmlns:p14="http://schemas.microsoft.com/office/powerpoint/2010/main" val="3908293304"/>
+        <p14:creationId xmlns:p14="http://schemas.microsoft.com/office/powerpoint/2010/main" val="137768650"/>
       </p:ext>
     </p:extLst>
   </p:cSld>

--- a/ATW_APT_Presentation/EDA-Presentation.pptx
+++ b/ATW_APT_Presentation/EDA-Presentation.pptx
@@ -5,7 +5,7 @@
     <p:sldMasterId id="2147483648" r:id="rId1"/>
   </p:sldMasterIdLst>
   <p:notesMasterIdLst>
-    <p:notesMasterId r:id="rId14"/>
+    <p:notesMasterId r:id="rId16"/>
   </p:notesMasterIdLst>
   <p:sldIdLst>
     <p:sldId id="256" r:id="rId2"/>
@@ -17,9 +17,11 @@
     <p:sldId id="267" r:id="rId8"/>
     <p:sldId id="266" r:id="rId9"/>
     <p:sldId id="268" r:id="rId10"/>
-    <p:sldId id="261" r:id="rId11"/>
-    <p:sldId id="265" r:id="rId12"/>
-    <p:sldId id="262" r:id="rId13"/>
+    <p:sldId id="269" r:id="rId11"/>
+    <p:sldId id="270" r:id="rId12"/>
+    <p:sldId id="261" r:id="rId13"/>
+    <p:sldId id="265" r:id="rId14"/>
+    <p:sldId id="262" r:id="rId15"/>
   </p:sldIdLst>
   <p:sldSz cx="12192000" cy="6858000"/>
   <p:notesSz cx="6858000" cy="9144000"/>
@@ -624,7 +626,91 @@
           <a:p>
             <a:fld id="{F0941BCE-09AA-FC4D-BB53-4ABA386CD2BE}" type="slidenum">
               <a:rPr lang="en-US" smtClean="0"/>
-              <a:t>11</a:t>
+              <a:t>12</a:t>
+            </a:fld>
+            <a:endParaRPr lang="en-US"/>
+          </a:p>
+        </p:txBody>
+      </p:sp>
+    </p:spTree>
+    <p:extLst>
+      <p:ext uri="{BB962C8B-B14F-4D97-AF65-F5344CB8AC3E}">
+        <p14:creationId xmlns:p14="http://schemas.microsoft.com/office/powerpoint/2010/main" val="2369507233"/>
+      </p:ext>
+    </p:extLst>
+  </p:cSld>
+  <p:clrMapOvr>
+    <a:masterClrMapping/>
+  </p:clrMapOvr>
+</p:notes>
+</file>
+
+<file path=ppt/notesSlides/notesSlide11.xml><?xml version="1.0" encoding="utf-8"?>
+<p:notes xmlns:a="http://schemas.openxmlformats.org/drawingml/2006/main" xmlns:r="http://schemas.openxmlformats.org/officeDocument/2006/relationships" xmlns:p="http://schemas.openxmlformats.org/presentationml/2006/main">
+  <p:cSld>
+    <p:spTree>
+      <p:nvGrpSpPr>
+        <p:cNvPr id="1" name=""/>
+        <p:cNvGrpSpPr/>
+        <p:nvPr/>
+      </p:nvGrpSpPr>
+      <p:grpSpPr>
+        <a:xfrm>
+          <a:off x="0" y="0"/>
+          <a:ext cx="0" cy="0"/>
+          <a:chOff x="0" y="0"/>
+          <a:chExt cx="0" cy="0"/>
+        </a:xfrm>
+      </p:grpSpPr>
+      <p:sp>
+        <p:nvSpPr>
+          <p:cNvPr id="2" name="Slide Image Placeholder 1"/>
+          <p:cNvSpPr>
+            <a:spLocks noGrp="1" noRot="1" noChangeAspect="1"/>
+          </p:cNvSpPr>
+          <p:nvPr>
+            <p:ph type="sldImg"/>
+          </p:nvPr>
+        </p:nvSpPr>
+        <p:spPr/>
+      </p:sp>
+      <p:sp>
+        <p:nvSpPr>
+          <p:cNvPr id="3" name="Notes Placeholder 2"/>
+          <p:cNvSpPr>
+            <a:spLocks noGrp="1"/>
+          </p:cNvSpPr>
+          <p:nvPr>
+            <p:ph type="body" idx="1"/>
+          </p:nvPr>
+        </p:nvSpPr>
+        <p:spPr/>
+        <p:txBody>
+          <a:bodyPr/>
+          <a:lstStyle/>
+          <a:p>
+            <a:endParaRPr lang="en-US" dirty="0"/>
+          </a:p>
+        </p:txBody>
+      </p:sp>
+      <p:sp>
+        <p:nvSpPr>
+          <p:cNvPr id="4" name="Slide Number Placeholder 3"/>
+          <p:cNvSpPr>
+            <a:spLocks noGrp="1"/>
+          </p:cNvSpPr>
+          <p:nvPr>
+            <p:ph type="sldNum" sz="quarter" idx="5"/>
+          </p:nvPr>
+        </p:nvSpPr>
+        <p:spPr/>
+        <p:txBody>
+          <a:bodyPr/>
+          <a:lstStyle/>
+          <a:p>
+            <a:fld id="{F0941BCE-09AA-FC4D-BB53-4ABA386CD2BE}" type="slidenum">
+              <a:rPr lang="en-US" smtClean="0"/>
+              <a:t>13</a:t>
             </a:fld>
             <a:endParaRPr lang="en-US"/>
           </a:p>
@@ -1399,7 +1485,7 @@
               <a:t>interpreteren</a:t>
             </a:r>
             <a:r>
-              <a:rPr lang="en-US"/>
+              <a:rPr lang="en-US" dirty="0"/>
               <a:t>?</a:t>
             </a:r>
           </a:p>
@@ -1485,6 +1571,129 @@
           <a:bodyPr/>
           <a:lstStyle/>
           <a:p>
+            <a:pPr marL="0" marR="0" lvl="0" indent="0" algn="l" defTabSz="914400" rtl="0" eaLnBrk="1" fontAlgn="auto" latinLnBrk="0" hangingPunct="1">
+              <a:lnSpc>
+                <a:spcPct val="100000"/>
+              </a:lnSpc>
+              <a:spcBef>
+                <a:spcPts val="0"/>
+              </a:spcBef>
+              <a:spcAft>
+                <a:spcPts val="0"/>
+              </a:spcAft>
+              <a:buClrTx/>
+              <a:buSzTx/>
+              <a:buFontTx/>
+              <a:buNone/>
+              <a:tabLst/>
+              <a:defRPr/>
+            </a:pPr>
+            <a:r>
+              <a:rPr lang="en-US" dirty="0" err="1"/>
+              <a:t>Meneer</a:t>
+            </a:r>
+            <a:r>
+              <a:rPr lang="en-US" dirty="0"/>
+              <a:t> Dijk </a:t>
+            </a:r>
+            <a:r>
+              <a:rPr lang="en-US" dirty="0" err="1"/>
+              <a:t>gebruikt</a:t>
+            </a:r>
+            <a:r>
+              <a:rPr lang="en-US" dirty="0"/>
+              <a:t> </a:t>
+            </a:r>
+            <a:r>
+              <a:rPr lang="en-US" dirty="0" err="1"/>
+              <a:t>ook</a:t>
+            </a:r>
+            <a:r>
+              <a:rPr lang="en-US" dirty="0"/>
+              <a:t> </a:t>
+            </a:r>
+            <a:r>
+              <a:rPr lang="en-US" dirty="0" err="1"/>
+              <a:t>een</a:t>
+            </a:r>
+            <a:r>
+              <a:rPr lang="en-US" dirty="0"/>
+              <a:t> Receiver operating characteristic curve (ROC curve) om </a:t>
+            </a:r>
+            <a:r>
+              <a:rPr lang="en-US" dirty="0" err="1"/>
+              <a:t>zijn</a:t>
+            </a:r>
+            <a:r>
+              <a:rPr lang="en-US" dirty="0"/>
+              <a:t> </a:t>
+            </a:r>
+            <a:r>
+              <a:rPr lang="en-US" dirty="0" err="1"/>
+              <a:t>aanpassingen</a:t>
+            </a:r>
+            <a:r>
+              <a:rPr lang="en-US" dirty="0"/>
+              <a:t> </a:t>
+            </a:r>
+            <a:r>
+              <a:rPr lang="en-US" dirty="0" err="1"/>
+              <a:t>te</a:t>
+            </a:r>
+            <a:r>
+              <a:rPr lang="en-US" dirty="0"/>
+              <a:t> </a:t>
+            </a:r>
+            <a:r>
+              <a:rPr lang="en-US" dirty="0" err="1"/>
+              <a:t>beoordelen</a:t>
+            </a:r>
+            <a:r>
+              <a:rPr lang="en-US" dirty="0"/>
+              <a:t>.</a:t>
+            </a:r>
+            <a:br>
+              <a:rPr lang="en-US" dirty="0"/>
+            </a:br>
+            <a:r>
+              <a:rPr lang="en-US" dirty="0"/>
+              <a:t>Wat </a:t>
+            </a:r>
+            <a:r>
+              <a:rPr lang="en-US" dirty="0" err="1"/>
+              <a:t>zeggen</a:t>
+            </a:r>
+            <a:r>
+              <a:rPr lang="en-US" dirty="0"/>
+              <a:t> </a:t>
+            </a:r>
+            <a:r>
+              <a:rPr lang="en-US" dirty="0" err="1"/>
+              <a:t>deze</a:t>
+            </a:r>
+            <a:r>
+              <a:rPr lang="en-US" dirty="0"/>
+              <a:t> curves?</a:t>
+            </a:r>
+          </a:p>
+          <a:p>
+            <a:pPr marL="0" marR="0" lvl="0" indent="0" algn="l" defTabSz="914400" rtl="0" eaLnBrk="1" fontAlgn="auto" latinLnBrk="0" hangingPunct="1">
+              <a:lnSpc>
+                <a:spcPct val="100000"/>
+              </a:lnSpc>
+              <a:spcBef>
+                <a:spcPts val="0"/>
+              </a:spcBef>
+              <a:spcAft>
+                <a:spcPts val="0"/>
+              </a:spcAft>
+              <a:buClrTx/>
+              <a:buSzTx/>
+              <a:buFontTx/>
+              <a:buNone/>
+              <a:tabLst/>
+              <a:defRPr/>
+            </a:pPr>
             <a:endParaRPr lang="en-US" dirty="0"/>
           </a:p>
         </p:txBody>
@@ -1569,7 +1778,78 @@
           <a:bodyPr/>
           <a:lstStyle/>
           <a:p>
-            <a:endParaRPr lang="en-US" dirty="0"/>
+            <a:r>
+              <a:rPr lang="en-US" dirty="0" err="1"/>
+              <a:t>Alleen</a:t>
+            </a:r>
+            <a:r>
+              <a:rPr lang="en-US" dirty="0"/>
+              <a:t> </a:t>
+            </a:r>
+            <a:r>
+              <a:rPr lang="en-US" dirty="0" err="1"/>
+              <a:t>bij</a:t>
+            </a:r>
+            <a:r>
+              <a:rPr lang="en-US" dirty="0"/>
+              <a:t> Reconnaissance </a:t>
+            </a:r>
+            <a:r>
+              <a:rPr lang="en-US" dirty="0" err="1"/>
+              <a:t>en</a:t>
+            </a:r>
+            <a:r>
+              <a:rPr lang="en-US" dirty="0"/>
+              <a:t> Establish Foothold </a:t>
+            </a:r>
+            <a:r>
+              <a:rPr lang="en-US" dirty="0" err="1"/>
+              <a:t>fase</a:t>
+            </a:r>
+            <a:r>
+              <a:rPr lang="en-US" dirty="0"/>
+              <a:t> </a:t>
+            </a:r>
+            <a:r>
+              <a:rPr lang="en-US" dirty="0" err="1"/>
+              <a:t>doet</a:t>
+            </a:r>
+            <a:r>
+              <a:rPr lang="en-US" dirty="0"/>
+              <a:t> de IDP </a:t>
+            </a:r>
+            <a:r>
+              <a:rPr lang="en-US" dirty="0" err="1"/>
+              <a:t>voorspeller</a:t>
+            </a:r>
+            <a:r>
+              <a:rPr lang="en-US" dirty="0"/>
+              <a:t> het </a:t>
+            </a:r>
+            <a:r>
+              <a:rPr lang="en-US" dirty="0" err="1"/>
+              <a:t>beter</a:t>
+            </a:r>
+            <a:r>
+              <a:rPr lang="en-US" dirty="0"/>
+              <a:t> </a:t>
+            </a:r>
+            <a:r>
+              <a:rPr lang="en-US" dirty="0" err="1"/>
+              <a:t>dan</a:t>
+            </a:r>
+            <a:r>
+              <a:rPr lang="en-US" dirty="0"/>
+              <a:t> </a:t>
+            </a:r>
+            <a:r>
+              <a:rPr lang="en-US" dirty="0" err="1"/>
+              <a:t>een</a:t>
+            </a:r>
+            <a:r>
+              <a:rPr lang="en-US" dirty="0"/>
+              <a:t> No Skill classifier.</a:t>
+            </a:r>
           </a:p>
         </p:txBody>
       </p:sp>
@@ -1653,7 +1933,90 @@
           <a:bodyPr/>
           <a:lstStyle/>
           <a:p>
-            <a:endParaRPr lang="en-US" dirty="0"/>
+            <a:r>
+              <a:rPr lang="en-US" dirty="0"/>
+              <a:t>Met de </a:t>
+            </a:r>
+            <a:r>
+              <a:rPr lang="en-US" dirty="0" err="1"/>
+              <a:t>aanpassingen</a:t>
+            </a:r>
+            <a:r>
+              <a:rPr lang="en-US" dirty="0"/>
+              <a:t> van </a:t>
+            </a:r>
+            <a:r>
+              <a:rPr lang="en-US" dirty="0" err="1"/>
+              <a:t>meneer</a:t>
+            </a:r>
+            <a:r>
+              <a:rPr lang="en-US" dirty="0"/>
+              <a:t> Dijk </a:t>
+            </a:r>
+            <a:r>
+              <a:rPr lang="en-US" dirty="0" err="1"/>
+              <a:t>lijkt</a:t>
+            </a:r>
+            <a:r>
+              <a:rPr lang="en-US" dirty="0"/>
+              <a:t> de </a:t>
+            </a:r>
+            <a:r>
+              <a:rPr lang="en-US" dirty="0" err="1"/>
+              <a:t>voorspeller</a:t>
+            </a:r>
+            <a:r>
+              <a:rPr lang="en-US" dirty="0"/>
+              <a:t> op de Lateral Movement stage </a:t>
+            </a:r>
+            <a:r>
+              <a:rPr lang="en-US" dirty="0" err="1"/>
+              <a:t>na</a:t>
+            </a:r>
+            <a:r>
+              <a:rPr lang="en-US" dirty="0"/>
+              <a:t> op </a:t>
+            </a:r>
+            <a:r>
+              <a:rPr lang="en-US" dirty="0" err="1"/>
+              <a:t>alle</a:t>
+            </a:r>
+            <a:r>
+              <a:rPr lang="en-US" dirty="0"/>
+              <a:t> </a:t>
+            </a:r>
+            <a:r>
+              <a:rPr lang="en-US" dirty="0" err="1"/>
+              <a:t>fronten</a:t>
+            </a:r>
+            <a:r>
+              <a:rPr lang="en-US" dirty="0"/>
+              <a:t> </a:t>
+            </a:r>
+            <a:r>
+              <a:rPr lang="en-US" dirty="0" err="1"/>
+              <a:t>beter</a:t>
+            </a:r>
+            <a:r>
+              <a:rPr lang="en-US" dirty="0"/>
+              <a:t> </a:t>
+            </a:r>
+            <a:r>
+              <a:rPr lang="en-US" dirty="0" err="1"/>
+              <a:t>te</a:t>
+            </a:r>
+            <a:r>
+              <a:rPr lang="en-US" dirty="0"/>
+              <a:t> </a:t>
+            </a:r>
+            <a:r>
+              <a:rPr lang="en-US" dirty="0" err="1"/>
+              <a:t>voorspellen</a:t>
+            </a:r>
+            <a:r>
+              <a:rPr lang="en-US" dirty="0"/>
+              <a:t>.</a:t>
+            </a:r>
           </a:p>
         </p:txBody>
       </p:sp>
@@ -2033,7 +2396,7 @@
     </p:spTree>
     <p:extLst>
       <p:ext uri="{BB962C8B-B14F-4D97-AF65-F5344CB8AC3E}">
-        <p14:creationId xmlns:p14="http://schemas.microsoft.com/office/powerpoint/2010/main" val="2369507233"/>
+        <p14:creationId xmlns:p14="http://schemas.microsoft.com/office/powerpoint/2010/main" val="3499438656"/>
       </p:ext>
     </p:extLst>
   </p:cSld>
@@ -5367,6 +5730,280 @@
           <p:cNvPr id="2" name="Title 1">
             <a:extLst>
               <a:ext uri="{FF2B5EF4-FFF2-40B4-BE49-F238E27FC236}">
+                <a16:creationId xmlns:a16="http://schemas.microsoft.com/office/drawing/2014/main" id="{C93C09F5-5F34-0E44-BEB3-A3FD11E05637}"/>
+              </a:ext>
+            </a:extLst>
+          </p:cNvPr>
+          <p:cNvSpPr>
+            <a:spLocks noGrp="1"/>
+          </p:cNvSpPr>
+          <p:nvPr>
+            <p:ph type="title"/>
+          </p:nvPr>
+        </p:nvSpPr>
+        <p:spPr/>
+        <p:txBody>
+          <a:bodyPr/>
+          <a:lstStyle/>
+          <a:p>
+            <a:r>
+              <a:rPr lang="en-US" dirty="0"/>
+              <a:t>Concept Development</a:t>
+            </a:r>
+          </a:p>
+        </p:txBody>
+      </p:sp>
+      <p:sp>
+        <p:nvSpPr>
+          <p:cNvPr id="4" name="Content Placeholder 3">
+            <a:extLst>
+              <a:ext uri="{FF2B5EF4-FFF2-40B4-BE49-F238E27FC236}">
+                <a16:creationId xmlns:a16="http://schemas.microsoft.com/office/drawing/2014/main" id="{0AEA1606-1804-7141-89C1-ABD563AEB5B1}"/>
+              </a:ext>
+            </a:extLst>
+          </p:cNvPr>
+          <p:cNvSpPr>
+            <a:spLocks noGrp="1"/>
+          </p:cNvSpPr>
+          <p:nvPr>
+            <p:ph sz="half" idx="1"/>
+          </p:nvPr>
+        </p:nvSpPr>
+        <p:spPr>
+          <a:xfrm>
+            <a:off x="838199" y="1825625"/>
+            <a:ext cx="4847897" cy="4351338"/>
+          </a:xfrm>
+        </p:spPr>
+        <p:txBody>
+          <a:bodyPr>
+            <a:normAutofit/>
+          </a:bodyPr>
+          <a:lstStyle/>
+          <a:p>
+            <a:endParaRPr lang="en-US" dirty="0"/>
+          </a:p>
+          <a:p>
+            <a:pPr marL="0" indent="0" algn="ctr">
+              <a:buNone/>
+            </a:pPr>
+            <a:r>
+              <a:rPr lang="en-US" b="1" i="1" dirty="0"/>
+              <a:t>Exploratory Data Analysis</a:t>
+            </a:r>
+            <a:r>
+              <a:rPr lang="en-US" dirty="0"/>
+              <a:t> is an approach of </a:t>
+            </a:r>
+            <a:r>
+              <a:rPr lang="en-US" b="1" dirty="0"/>
+              <a:t>analyzing data sets</a:t>
+            </a:r>
+            <a:r>
+              <a:rPr lang="en-US" dirty="0"/>
+              <a:t> to summarize their main characteristics, often using </a:t>
+            </a:r>
+            <a:r>
+              <a:rPr lang="en-US" b="1" dirty="0"/>
+              <a:t>statistical graphics</a:t>
+            </a:r>
+            <a:r>
+              <a:rPr lang="en-US" dirty="0"/>
+              <a:t> and other </a:t>
+            </a:r>
+            <a:r>
+              <a:rPr lang="en-US" b="1" dirty="0"/>
+              <a:t>data visualization </a:t>
+            </a:r>
+            <a:r>
+              <a:rPr lang="en-US" dirty="0"/>
+              <a:t>methods</a:t>
+            </a:r>
+          </a:p>
+        </p:txBody>
+      </p:sp>
+      <p:sp>
+        <p:nvSpPr>
+          <p:cNvPr id="5" name="Content Placeholder 4">
+            <a:extLst>
+              <a:ext uri="{FF2B5EF4-FFF2-40B4-BE49-F238E27FC236}">
+                <a16:creationId xmlns:a16="http://schemas.microsoft.com/office/drawing/2014/main" id="{1B59BAF3-1796-694D-8714-58D7D9F4CEAE}"/>
+              </a:ext>
+            </a:extLst>
+          </p:cNvPr>
+          <p:cNvSpPr>
+            <a:spLocks noGrp="1"/>
+          </p:cNvSpPr>
+          <p:nvPr>
+            <p:ph sz="half" idx="2"/>
+          </p:nvPr>
+        </p:nvSpPr>
+        <p:spPr>
+          <a:xfrm>
+            <a:off x="6505903" y="1825625"/>
+            <a:ext cx="4847898" cy="4351338"/>
+          </a:xfrm>
+        </p:spPr>
+        <p:txBody>
+          <a:bodyPr>
+            <a:normAutofit/>
+          </a:bodyPr>
+          <a:lstStyle/>
+          <a:p>
+            <a:pPr marL="0" indent="0">
+              <a:buNone/>
+            </a:pPr>
+            <a:endParaRPr lang="en-US" i="1" dirty="0"/>
+          </a:p>
+          <a:p>
+            <a:pPr marL="0" indent="0" algn="ctr">
+              <a:buNone/>
+            </a:pPr>
+            <a:r>
+              <a:rPr lang="en-US" b="1" i="1" dirty="0"/>
+              <a:t>Feature engineering</a:t>
+            </a:r>
+            <a:r>
+              <a:rPr lang="en-US" dirty="0"/>
+              <a:t> is the process of using </a:t>
+            </a:r>
+            <a:r>
+              <a:rPr lang="en-US" b="1" dirty="0"/>
+              <a:t>domain knowledge</a:t>
+            </a:r>
+            <a:r>
+              <a:rPr lang="en-US" dirty="0"/>
+              <a:t> to extract </a:t>
+            </a:r>
+            <a:r>
+              <a:rPr lang="en-US" b="1" dirty="0"/>
+              <a:t>features</a:t>
+            </a:r>
+            <a:r>
+              <a:rPr lang="en-US" dirty="0"/>
+              <a:t> (characteristics, properties, attributes) from raw data.</a:t>
+            </a:r>
+          </a:p>
+        </p:txBody>
+      </p:sp>
+    </p:spTree>
+    <p:extLst>
+      <p:ext uri="{BB962C8B-B14F-4D97-AF65-F5344CB8AC3E}">
+        <p14:creationId xmlns:p14="http://schemas.microsoft.com/office/powerpoint/2010/main" val="2696910812"/>
+      </p:ext>
+    </p:extLst>
+  </p:cSld>
+  <p:clrMapOvr>
+    <a:masterClrMapping/>
+  </p:clrMapOvr>
+</p:sld>
+</file>
+
+<file path=ppt/slides/slide11.xml><?xml version="1.0" encoding="utf-8"?>
+<p:sld xmlns:a="http://schemas.openxmlformats.org/drawingml/2006/main" xmlns:r="http://schemas.openxmlformats.org/officeDocument/2006/relationships" xmlns:p="http://schemas.openxmlformats.org/presentationml/2006/main">
+  <p:cSld>
+    <p:spTree>
+      <p:nvGrpSpPr>
+        <p:cNvPr id="1" name=""/>
+        <p:cNvGrpSpPr/>
+        <p:nvPr/>
+      </p:nvGrpSpPr>
+      <p:grpSpPr>
+        <a:xfrm>
+          <a:off x="0" y="0"/>
+          <a:ext cx="0" cy="0"/>
+          <a:chOff x="0" y="0"/>
+          <a:chExt cx="0" cy="0"/>
+        </a:xfrm>
+      </p:grpSpPr>
+      <p:sp>
+        <p:nvSpPr>
+          <p:cNvPr id="2" name="Title 1">
+            <a:extLst>
+              <a:ext uri="{FF2B5EF4-FFF2-40B4-BE49-F238E27FC236}">
+                <a16:creationId xmlns:a16="http://schemas.microsoft.com/office/drawing/2014/main" id="{145D160C-809A-EE4E-B8DC-0976BC90DA17}"/>
+              </a:ext>
+            </a:extLst>
+          </p:cNvPr>
+          <p:cNvSpPr>
+            <a:spLocks noGrp="1"/>
+          </p:cNvSpPr>
+          <p:nvPr>
+            <p:ph type="title"/>
+          </p:nvPr>
+        </p:nvSpPr>
+        <p:spPr/>
+        <p:txBody>
+          <a:bodyPr/>
+          <a:lstStyle/>
+          <a:p>
+            <a:r>
+              <a:rPr lang="en-US" dirty="0"/>
+              <a:t>Exploratory Data Analysis</a:t>
+            </a:r>
+          </a:p>
+        </p:txBody>
+      </p:sp>
+      <p:sp>
+        <p:nvSpPr>
+          <p:cNvPr id="5" name="Content Placeholder 4">
+            <a:extLst>
+              <a:ext uri="{FF2B5EF4-FFF2-40B4-BE49-F238E27FC236}">
+                <a16:creationId xmlns:a16="http://schemas.microsoft.com/office/drawing/2014/main" id="{BD178A67-FE83-4A45-A86D-4E2EB5F45B9E}"/>
+              </a:ext>
+            </a:extLst>
+          </p:cNvPr>
+          <p:cNvSpPr>
+            <a:spLocks noGrp="1"/>
+          </p:cNvSpPr>
+          <p:nvPr>
+            <p:ph idx="1"/>
+          </p:nvPr>
+        </p:nvSpPr>
+        <p:spPr/>
+        <p:txBody>
+          <a:bodyPr/>
+          <a:lstStyle/>
+          <a:p>
+            <a:endParaRPr lang="en-US"/>
+          </a:p>
+        </p:txBody>
+      </p:sp>
+    </p:spTree>
+    <p:extLst>
+      <p:ext uri="{BB962C8B-B14F-4D97-AF65-F5344CB8AC3E}">
+        <p14:creationId xmlns:p14="http://schemas.microsoft.com/office/powerpoint/2010/main" val="2355613091"/>
+      </p:ext>
+    </p:extLst>
+  </p:cSld>
+  <p:clrMapOvr>
+    <a:masterClrMapping/>
+  </p:clrMapOvr>
+</p:sld>
+</file>
+
+<file path=ppt/slides/slide12.xml><?xml version="1.0" encoding="utf-8"?>
+<p:sld xmlns:a="http://schemas.openxmlformats.org/drawingml/2006/main" xmlns:r="http://schemas.openxmlformats.org/officeDocument/2006/relationships" xmlns:p="http://schemas.openxmlformats.org/presentationml/2006/main">
+  <p:cSld>
+    <p:spTree>
+      <p:nvGrpSpPr>
+        <p:cNvPr id="1" name=""/>
+        <p:cNvGrpSpPr/>
+        <p:nvPr/>
+      </p:nvGrpSpPr>
+      <p:grpSpPr>
+        <a:xfrm>
+          <a:off x="0" y="0"/>
+          <a:ext cx="0" cy="0"/>
+          <a:chOff x="0" y="0"/>
+          <a:chExt cx="0" cy="0"/>
+        </a:xfrm>
+      </p:grpSpPr>
+      <p:sp>
+        <p:nvSpPr>
+          <p:cNvPr id="2" name="Title 1">
+            <a:extLst>
+              <a:ext uri="{FF2B5EF4-FFF2-40B4-BE49-F238E27FC236}">
                 <a16:creationId xmlns:a16="http://schemas.microsoft.com/office/drawing/2014/main" id="{AFA00B28-5FD0-7E4F-929D-7F8230478D1F}"/>
               </a:ext>
             </a:extLst>
@@ -5519,7 +6156,7 @@
 </p:sld>
 </file>
 
-<file path=ppt/slides/slide11.xml><?xml version="1.0" encoding="utf-8"?>
+<file path=ppt/slides/slide13.xml><?xml version="1.0" encoding="utf-8"?>
 <p:sld xmlns:a="http://schemas.openxmlformats.org/drawingml/2006/main" xmlns:r="http://schemas.openxmlformats.org/officeDocument/2006/relationships" xmlns:p="http://schemas.openxmlformats.org/presentationml/2006/main">
   <p:cSld>
     <p:spTree>
@@ -5781,7 +6418,7 @@
 </p:sld>
 </file>
 
-<file path=ppt/slides/slide12.xml><?xml version="1.0" encoding="utf-8"?>
+<file path=ppt/slides/slide14.xml><?xml version="1.0" encoding="utf-8"?>
 <p:sld xmlns:a="http://schemas.openxmlformats.org/drawingml/2006/main" xmlns:r="http://schemas.openxmlformats.org/officeDocument/2006/relationships" xmlns:p="http://schemas.openxmlformats.org/presentationml/2006/main">
   <p:cSld>
     <p:spTree>
@@ -6609,8 +7246,8 @@
           </a:prstGeom>
         </p:spPr>
       </p:pic>
-      <mc:AlternateContent xmlns:mc="http://schemas.openxmlformats.org/markup-compatibility/2006">
-        <mc:Choice xmlns:a14="http://schemas.microsoft.com/office/drawing/2010/main" Requires="a14">
+      <mc:AlternateContent xmlns:mc="http://schemas.openxmlformats.org/markup-compatibility/2006" xmlns:a14="http://schemas.microsoft.com/office/drawing/2010/main">
+        <mc:Choice Requires="a14">
           <p:sp>
             <p:nvSpPr>
               <p:cNvPr id="3" name="TextBox 2">
@@ -6639,6 +7276,7 @@
               </a:bodyPr>
               <a:lstStyle/>
               <a:p>
+                <a:pPr/>
                 <a14:m>
                   <m:oMathPara xmlns:m="http://schemas.openxmlformats.org/officeDocument/2006/math">
                     <m:oMathParaPr>
@@ -6690,7 +7328,7 @@
             </p:txBody>
           </p:sp>
         </mc:Choice>
-        <mc:Fallback>
+        <mc:Fallback xmlns="">
           <p:sp>
             <p:nvSpPr>
               <p:cNvPr id="3" name="TextBox 2">
@@ -6735,8 +7373,8 @@
           </p:sp>
         </mc:Fallback>
       </mc:AlternateContent>
-      <mc:AlternateContent xmlns:mc="http://schemas.openxmlformats.org/markup-compatibility/2006">
-        <mc:Choice xmlns:a14="http://schemas.microsoft.com/office/drawing/2010/main" Requires="a14">
+      <mc:AlternateContent xmlns:mc="http://schemas.openxmlformats.org/markup-compatibility/2006" xmlns:a14="http://schemas.microsoft.com/office/drawing/2010/main">
+        <mc:Choice Requires="a14">
           <p:sp>
             <p:nvSpPr>
               <p:cNvPr id="9" name="TextBox 8">
@@ -6765,6 +7403,7 @@
               </a:bodyPr>
               <a:lstStyle/>
               <a:p>
+                <a:pPr/>
                 <a14:m>
                   <m:oMathPara xmlns:m="http://schemas.openxmlformats.org/officeDocument/2006/math">
                     <m:oMathParaPr>
@@ -6816,7 +7455,7 @@
             </p:txBody>
           </p:sp>
         </mc:Choice>
-        <mc:Fallback>
+        <mc:Fallback xmlns="">
           <p:sp>
             <p:nvSpPr>
               <p:cNvPr id="9" name="TextBox 8">
@@ -7274,33 +7913,34 @@
               <a:rPr lang="en-US" dirty="0"/>
               <a:t>Is better prediction on lateral movement feasible?</a:t>
             </a:r>
-          </a:p>
-          <a:p>
-            <a:r>
-              <a:rPr lang="en-US" dirty="0"/>
-              <a:t>Should be conform</a:t>
+            <a:br>
+              <a:rPr lang="en-US" dirty="0"/>
+            </a:br>
+            <a:r>
+              <a:rPr lang="en-US" dirty="0"/>
+              <a:t>Better prediction should be possible conform</a:t>
             </a:r>
           </a:p>
           <a:p>
             <a:pPr lvl="1"/>
             <a:r>
-              <a:rPr lang="en-US" dirty="0"/>
-              <a:t>Using Deep Learning Model for Network Scanning Detection </a:t>
+              <a:rPr lang="en-US" sz="2000" dirty="0"/>
+              <a:t>Using Deep Learning Model for Network Scanning Detection [1]</a:t>
             </a:r>
           </a:p>
           <a:p>
             <a:pPr lvl="1"/>
             <a:r>
-              <a:rPr lang="en-US" dirty="0"/>
+              <a:rPr lang="en-US" sz="2000" dirty="0"/>
               <a:t>Efficient Classification of </a:t>
             </a:r>
             <a:r>
-              <a:rPr lang="en-US" dirty="0" err="1"/>
+              <a:rPr lang="en-US" sz="2000" dirty="0" err="1"/>
               <a:t>Portscan</a:t>
             </a:r>
             <a:r>
-              <a:rPr lang="en-US" dirty="0"/>
-              <a:t> Attacks using Support Vector Machine</a:t>
+              <a:rPr lang="en-US" sz="2000" dirty="0"/>
+              <a:t> Attacks using Support Vector Machine [2]</a:t>
             </a:r>
           </a:p>
           <a:p>
